--- a/slides/S1_cours5.pptx
+++ b/slides/S1_cours5.pptx
@@ -7,6 +7,16 @@
   <p:sldIdLst>
     <p:sldId id="256" r:id="rId2"/>
     <p:sldId id="257" r:id="rId3"/>
+    <p:sldId id="258" r:id="rId4"/>
+    <p:sldId id="259" r:id="rId5"/>
+    <p:sldId id="260" r:id="rId6"/>
+    <p:sldId id="261" r:id="rId7"/>
+    <p:sldId id="262" r:id="rId8"/>
+    <p:sldId id="263" r:id="rId9"/>
+    <p:sldId id="264" r:id="rId10"/>
+    <p:sldId id="265" r:id="rId11"/>
+    <p:sldId id="267" r:id="rId12"/>
+    <p:sldId id="268" r:id="rId13"/>
   </p:sldIdLst>
   <p:sldSz cx="12192000" cy="6858000"/>
   <p:notesSz cx="6858000" cy="9144000"/>
@@ -271,7 +281,7 @@
           <a:p>
             <a:fld id="{655A5808-3B61-48CC-92EF-85AC2E0DFA56}" type="datetime2">
               <a:rPr lang="en-US" smtClean="0"/>
-              <a:t>Monday, October 11, 2021</a:t>
+              <a:t>Friday, October 15, 2021</a:t>
             </a:fld>
             <a:endParaRPr lang="en-US"/>
           </a:p>
@@ -469,7 +479,7 @@
           <a:p>
             <a:fld id="{735E98AF-4574-4509-BF7A-519ACD5BF826}" type="datetime2">
               <a:rPr lang="en-US" smtClean="0"/>
-              <a:t>Monday, October 11, 2021</a:t>
+              <a:t>Friday, October 15, 2021</a:t>
             </a:fld>
             <a:endParaRPr lang="en-US"/>
           </a:p>
@@ -679,7 +689,7 @@
           <a:p>
             <a:fld id="{93DD97D4-9636-490F-85D0-E926C2B6F3B1}" type="datetime2">
               <a:rPr lang="en-US" smtClean="0"/>
-              <a:t>Monday, October 11, 2021</a:t>
+              <a:t>Friday, October 15, 2021</a:t>
             </a:fld>
             <a:endParaRPr lang="en-US"/>
           </a:p>
@@ -878,7 +888,7 @@
           <a:p>
             <a:fld id="{2F3AF3C6-0FD4-4939-991C-00DDE5C56815}" type="datetime2">
               <a:rPr lang="en-US" smtClean="0"/>
-              <a:t>Monday, October 11, 2021</a:t>
+              <a:t>Friday, October 15, 2021</a:t>
             </a:fld>
             <a:endParaRPr lang="en-US"/>
           </a:p>
@@ -1159,7 +1169,7 @@
           <a:p>
             <a:fld id="{86807482-8128-47C6-A8DD-6452B0291CFF}" type="datetime2">
               <a:rPr lang="en-US" smtClean="0"/>
-              <a:t>Monday, October 11, 2021</a:t>
+              <a:t>Friday, October 15, 2021</a:t>
             </a:fld>
             <a:endParaRPr lang="en-US"/>
           </a:p>
@@ -1427,7 +1437,7 @@
           <a:p>
             <a:fld id="{37903F25-275E-41DE-BE3B-EBF0DB49F9B1}" type="datetime2">
               <a:rPr lang="en-US" smtClean="0"/>
-              <a:t>Monday, October 11, 2021</a:t>
+              <a:t>Friday, October 15, 2021</a:t>
             </a:fld>
             <a:endParaRPr lang="en-US"/>
           </a:p>
@@ -1808,7 +1818,7 @@
           <a:p>
             <a:fld id="{EE475572-4A44-4171-84AA-64D42C8050A6}" type="datetime2">
               <a:rPr lang="en-US" smtClean="0"/>
-              <a:t>Monday, October 11, 2021</a:t>
+              <a:t>Friday, October 15, 2021</a:t>
             </a:fld>
             <a:endParaRPr lang="en-US"/>
           </a:p>
@@ -1978,7 +1988,7 @@
           <a:p>
             <a:fld id="{C4C1612E-528E-4FD5-9E9E-E15F1108F171}" type="datetime2">
               <a:rPr lang="en-US" smtClean="0"/>
-              <a:t>Monday, October 11, 2021</a:t>
+              <a:t>Friday, October 15, 2021</a:t>
             </a:fld>
             <a:endParaRPr lang="en-US"/>
           </a:p>
@@ -2091,7 +2101,7 @@
           <a:p>
             <a:fld id="{D4F6D862-A06D-436F-A92E-EBAAD50B6E50}" type="datetime2">
               <a:rPr lang="en-US" smtClean="0"/>
-              <a:t>Monday, October 11, 2021</a:t>
+              <a:t>Friday, October 15, 2021</a:t>
             </a:fld>
             <a:endParaRPr lang="en-US"/>
           </a:p>
@@ -2408,7 +2418,7 @@
           <a:p>
             <a:fld id="{B73E0B7D-2260-4809-8F0A-9E5F3E24F169}" type="datetime2">
               <a:rPr lang="en-US" smtClean="0"/>
-              <a:t>Monday, October 11, 2021</a:t>
+              <a:t>Friday, October 15, 2021</a:t>
             </a:fld>
             <a:endParaRPr lang="en-US"/>
           </a:p>
@@ -2700,7 +2710,7 @@
           <a:p>
             <a:fld id="{3C8E4735-C637-46A3-94EB-AB3AC4188D2F}" type="datetime2">
               <a:rPr lang="en-US" smtClean="0"/>
-              <a:t>Monday, October 11, 2021</a:t>
+              <a:t>Friday, October 15, 2021</a:t>
             </a:fld>
             <a:endParaRPr lang="en-US"/>
           </a:p>
@@ -3068,7 +3078,7 @@
             <a:fld id="{AE0C963C-C1DB-4AFD-9DDC-0691666BF49B}" type="datetime2">
               <a:rPr lang="en-US" smtClean="0"/>
               <a:pPr/>
-              <a:t>Monday, October 11, 2021</a:t>
+              <a:t>Friday, October 15, 2021</a:t>
             </a:fld>
             <a:endParaRPr lang="en-US" cap="all" dirty="0"/>
           </a:p>
@@ -3712,12 +3722,12 @@
               </a:lnSpc>
             </a:pPr>
             <a:r>
-              <a:rPr lang="fr-FR" sz="3100">
+              <a:rPr lang="fr-FR" sz="3100" dirty="0">
                 <a:solidFill>
                   <a:srgbClr val="FFFFFF"/>
                 </a:solidFill>
               </a:rPr>
-              <a:t>Extraction naïve d’un lexique bilingue(manip python)</a:t>
+              <a:t>Extraction d’un lexique bilingue(manip python)</a:t>
             </a:r>
           </a:p>
         </p:txBody>
@@ -4076,6 +4086,1001 @@
 </p:sld>
 </file>
 
+<file path=ppt/slides/slide10.xml><?xml version="1.0" encoding="utf-8"?>
+<p:sld xmlns:a="http://schemas.openxmlformats.org/drawingml/2006/main" xmlns:r="http://schemas.openxmlformats.org/officeDocument/2006/relationships" xmlns:p="http://schemas.openxmlformats.org/presentationml/2006/main">
+  <p:cSld>
+    <p:spTree>
+      <p:nvGrpSpPr>
+        <p:cNvPr id="1" name=""/>
+        <p:cNvGrpSpPr/>
+        <p:nvPr/>
+      </p:nvGrpSpPr>
+      <p:grpSpPr>
+        <a:xfrm>
+          <a:off x="0" y="0"/>
+          <a:ext cx="0" cy="0"/>
+          <a:chOff x="0" y="0"/>
+          <a:chExt cx="0" cy="0"/>
+        </a:xfrm>
+      </p:grpSpPr>
+      <p:sp>
+        <p:nvSpPr>
+          <p:cNvPr id="2" name="Titre 1">
+            <a:extLst>
+              <a:ext uri="{FF2B5EF4-FFF2-40B4-BE49-F238E27FC236}">
+                <a16:creationId xmlns:a16="http://schemas.microsoft.com/office/drawing/2014/main" id="{C71BD9EF-E793-4D46-89E1-A01F77EB24C7}"/>
+              </a:ext>
+            </a:extLst>
+          </p:cNvPr>
+          <p:cNvSpPr>
+            <a:spLocks noGrp="1"/>
+          </p:cNvSpPr>
+          <p:nvPr>
+            <p:ph type="title"/>
+          </p:nvPr>
+        </p:nvSpPr>
+        <p:spPr/>
+        <p:txBody>
+          <a:bodyPr/>
+          <a:lstStyle/>
+          <a:p>
+            <a:pPr algn="ctr"/>
+            <a:r>
+              <a:rPr lang="fr-FR" dirty="0"/>
+              <a:t>Naïve </a:t>
+            </a:r>
+            <a:r>
+              <a:rPr lang="fr-FR" dirty="0" err="1"/>
+              <a:t>approach</a:t>
+            </a:r>
+            <a:br>
+              <a:rPr lang="fr-FR" dirty="0"/>
+            </a:br>
+            <a:r>
+              <a:rPr lang="fr-FR" dirty="0" err="1"/>
+              <a:t>Co-occurrence</a:t>
+            </a:r>
+            <a:r>
+              <a:rPr lang="fr-FR" dirty="0"/>
+              <a:t> table</a:t>
+            </a:r>
+          </a:p>
+        </p:txBody>
+      </p:sp>
+      <p:sp>
+        <p:nvSpPr>
+          <p:cNvPr id="3" name="Espace réservé du contenu 2">
+            <a:extLst>
+              <a:ext uri="{FF2B5EF4-FFF2-40B4-BE49-F238E27FC236}">
+                <a16:creationId xmlns:a16="http://schemas.microsoft.com/office/drawing/2014/main" id="{086B8BB8-288A-3C48-B5D4-9C8C220E284F}"/>
+              </a:ext>
+            </a:extLst>
+          </p:cNvPr>
+          <p:cNvSpPr>
+            <a:spLocks noGrp="1"/>
+          </p:cNvSpPr>
+          <p:nvPr>
+            <p:ph idx="1"/>
+          </p:nvPr>
+        </p:nvSpPr>
+        <p:spPr/>
+        <p:txBody>
+          <a:bodyPr/>
+          <a:lstStyle/>
+          <a:p>
+            <a:r>
+              <a:rPr lang="fr-FR" dirty="0"/>
+              <a:t>For </a:t>
+            </a:r>
+            <a:r>
+              <a:rPr lang="fr-FR" dirty="0" err="1"/>
+              <a:t>example</a:t>
+            </a:r>
+            <a:r>
+              <a:rPr lang="fr-FR" dirty="0"/>
+              <a:t>, if the corpus </a:t>
+            </a:r>
+            <a:r>
+              <a:rPr lang="fr-FR" dirty="0" err="1"/>
+              <a:t>consists</a:t>
+            </a:r>
+            <a:r>
+              <a:rPr lang="fr-FR" dirty="0"/>
+              <a:t> of </a:t>
+            </a:r>
+            <a:r>
+              <a:rPr lang="fr-FR" dirty="0" err="1"/>
+              <a:t>two</a:t>
+            </a:r>
+            <a:r>
+              <a:rPr lang="fr-FR" dirty="0"/>
+              <a:t> sentences, </a:t>
+            </a:r>
+            <a:r>
+              <a:rPr lang="fr-FR" dirty="0" err="1"/>
+              <a:t>this</a:t>
+            </a:r>
+            <a:r>
+              <a:rPr lang="fr-FR" dirty="0"/>
+              <a:t> </a:t>
+            </a:r>
+            <a:r>
+              <a:rPr lang="fr-FR" dirty="0" err="1"/>
+              <a:t>is</a:t>
+            </a:r>
+            <a:r>
+              <a:rPr lang="fr-FR" dirty="0"/>
+              <a:t> </a:t>
+            </a:r>
+            <a:r>
+              <a:rPr lang="fr-FR" dirty="0" err="1"/>
+              <a:t>what</a:t>
+            </a:r>
+            <a:r>
+              <a:rPr lang="fr-FR" dirty="0"/>
+              <a:t> </a:t>
+            </a:r>
+            <a:r>
+              <a:rPr lang="fr-FR" dirty="0" err="1"/>
+              <a:t>your</a:t>
+            </a:r>
+            <a:r>
+              <a:rPr lang="fr-FR" dirty="0"/>
+              <a:t> python </a:t>
+            </a:r>
+            <a:r>
+              <a:rPr lang="fr-FR" dirty="0" err="1"/>
+              <a:t>dictionary</a:t>
+            </a:r>
+            <a:r>
+              <a:rPr lang="fr-FR" dirty="0"/>
+              <a:t> </a:t>
+            </a:r>
+            <a:r>
+              <a:rPr lang="fr-FR" dirty="0" err="1"/>
+              <a:t>should</a:t>
+            </a:r>
+            <a:r>
+              <a:rPr lang="fr-FR" dirty="0"/>
+              <a:t> look </a:t>
+            </a:r>
+            <a:r>
+              <a:rPr lang="fr-FR" dirty="0" err="1"/>
+              <a:t>like</a:t>
+            </a:r>
+            <a:r>
+              <a:rPr lang="fr-FR" dirty="0"/>
+              <a:t> :</a:t>
+            </a:r>
+          </a:p>
+          <a:p>
+            <a:endParaRPr lang="fr-FR" dirty="0"/>
+          </a:p>
+        </p:txBody>
+      </p:sp>
+      <p:pic>
+        <p:nvPicPr>
+          <p:cNvPr id="4" name="Image 3">
+            <a:extLst>
+              <a:ext uri="{FF2B5EF4-FFF2-40B4-BE49-F238E27FC236}">
+                <a16:creationId xmlns:a16="http://schemas.microsoft.com/office/drawing/2014/main" id="{2923A569-C13D-BB42-9AB9-BFA5973078E6}"/>
+              </a:ext>
+            </a:extLst>
+          </p:cNvPr>
+          <p:cNvPicPr>
+            <a:picLocks noChangeAspect="1"/>
+          </p:cNvPicPr>
+          <p:nvPr/>
+        </p:nvPicPr>
+        <p:blipFill>
+          <a:blip r:embed="rId2"/>
+          <a:stretch>
+            <a:fillRect/>
+          </a:stretch>
+        </p:blipFill>
+        <p:spPr>
+          <a:xfrm>
+            <a:off x="5265831" y="2531125"/>
+            <a:ext cx="3524997" cy="1134047"/>
+          </a:xfrm>
+          <a:prstGeom prst="rect">
+            <a:avLst/>
+          </a:prstGeom>
+        </p:spPr>
+      </p:pic>
+      <p:pic>
+        <p:nvPicPr>
+          <p:cNvPr id="5" name="Image 4">
+            <a:extLst>
+              <a:ext uri="{FF2B5EF4-FFF2-40B4-BE49-F238E27FC236}">
+                <a16:creationId xmlns:a16="http://schemas.microsoft.com/office/drawing/2014/main" id="{D8799584-BB2F-4D43-A031-F45FE643B8FE}"/>
+              </a:ext>
+            </a:extLst>
+          </p:cNvPr>
+          <p:cNvPicPr>
+            <a:picLocks noChangeAspect="1"/>
+          </p:cNvPicPr>
+          <p:nvPr/>
+        </p:nvPicPr>
+        <p:blipFill>
+          <a:blip r:embed="rId3"/>
+          <a:stretch>
+            <a:fillRect/>
+          </a:stretch>
+        </p:blipFill>
+        <p:spPr>
+          <a:xfrm>
+            <a:off x="1748790" y="3791712"/>
+            <a:ext cx="9486900" cy="2362200"/>
+          </a:xfrm>
+          <a:prstGeom prst="rect">
+            <a:avLst/>
+          </a:prstGeom>
+        </p:spPr>
+      </p:pic>
+      <p:sp>
+        <p:nvSpPr>
+          <p:cNvPr id="6" name="ZoneTexte 5">
+            <a:extLst>
+              <a:ext uri="{FF2B5EF4-FFF2-40B4-BE49-F238E27FC236}">
+                <a16:creationId xmlns:a16="http://schemas.microsoft.com/office/drawing/2014/main" id="{B2E6F264-7F3F-FA4F-9581-35468488F0EE}"/>
+              </a:ext>
+            </a:extLst>
+          </p:cNvPr>
+          <p:cNvSpPr txBox="1"/>
+          <p:nvPr/>
+        </p:nvSpPr>
+        <p:spPr>
+          <a:xfrm>
+            <a:off x="308650" y="3837336"/>
+            <a:ext cx="1558440" cy="369332"/>
+          </a:xfrm>
+          <a:prstGeom prst="rect">
+            <a:avLst/>
+          </a:prstGeom>
+          <a:noFill/>
+        </p:spPr>
+        <p:txBody>
+          <a:bodyPr wrap="none" rtlCol="0">
+            <a:spAutoFit/>
+          </a:bodyPr>
+          <a:lstStyle/>
+          <a:p>
+            <a:r>
+              <a:rPr lang="fr-FR" dirty="0" err="1"/>
+              <a:t>cooc_table</a:t>
+            </a:r>
+            <a:r>
+              <a:rPr lang="fr-FR" dirty="0"/>
+              <a:t> =</a:t>
+            </a:r>
+          </a:p>
+        </p:txBody>
+      </p:sp>
+    </p:spTree>
+    <p:extLst>
+      <p:ext uri="{BB962C8B-B14F-4D97-AF65-F5344CB8AC3E}">
+        <p14:creationId xmlns:p14="http://schemas.microsoft.com/office/powerpoint/2010/main" val="2969954003"/>
+      </p:ext>
+    </p:extLst>
+  </p:cSld>
+  <p:clrMapOvr>
+    <a:masterClrMapping/>
+  </p:clrMapOvr>
+</p:sld>
+</file>
+
+<file path=ppt/slides/slide11.xml><?xml version="1.0" encoding="utf-8"?>
+<p:sld xmlns:a="http://schemas.openxmlformats.org/drawingml/2006/main" xmlns:r="http://schemas.openxmlformats.org/officeDocument/2006/relationships" xmlns:p="http://schemas.openxmlformats.org/presentationml/2006/main">
+  <p:cSld>
+    <p:spTree>
+      <p:nvGrpSpPr>
+        <p:cNvPr id="1" name=""/>
+        <p:cNvGrpSpPr/>
+        <p:nvPr/>
+      </p:nvGrpSpPr>
+      <p:grpSpPr>
+        <a:xfrm>
+          <a:off x="0" y="0"/>
+          <a:ext cx="0" cy="0"/>
+          <a:chOff x="0" y="0"/>
+          <a:chExt cx="0" cy="0"/>
+        </a:xfrm>
+      </p:grpSpPr>
+      <p:sp>
+        <p:nvSpPr>
+          <p:cNvPr id="2" name="Titre 1">
+            <a:extLst>
+              <a:ext uri="{FF2B5EF4-FFF2-40B4-BE49-F238E27FC236}">
+                <a16:creationId xmlns:a16="http://schemas.microsoft.com/office/drawing/2014/main" id="{8A2F3D87-7B1E-5749-8162-AC9BDF3E7E4D}"/>
+              </a:ext>
+            </a:extLst>
+          </p:cNvPr>
+          <p:cNvSpPr>
+            <a:spLocks noGrp="1"/>
+          </p:cNvSpPr>
+          <p:nvPr>
+            <p:ph type="title"/>
+          </p:nvPr>
+        </p:nvSpPr>
+        <p:spPr/>
+        <p:txBody>
+          <a:bodyPr/>
+          <a:lstStyle/>
+          <a:p>
+            <a:pPr algn="ctr"/>
+            <a:r>
+              <a:rPr lang="fr-FR" dirty="0" err="1"/>
+              <a:t>INstructions</a:t>
+            </a:r>
+            <a:endParaRPr lang="fr-FR" dirty="0"/>
+          </a:p>
+        </p:txBody>
+      </p:sp>
+      <p:sp>
+        <p:nvSpPr>
+          <p:cNvPr id="3" name="Espace réservé du contenu 2">
+            <a:extLst>
+              <a:ext uri="{FF2B5EF4-FFF2-40B4-BE49-F238E27FC236}">
+                <a16:creationId xmlns:a16="http://schemas.microsoft.com/office/drawing/2014/main" id="{4411436E-1B38-A945-8493-F54A194B71C1}"/>
+              </a:ext>
+            </a:extLst>
+          </p:cNvPr>
+          <p:cNvSpPr>
+            <a:spLocks noGrp="1"/>
+          </p:cNvSpPr>
+          <p:nvPr>
+            <p:ph idx="1"/>
+          </p:nvPr>
+        </p:nvSpPr>
+        <p:spPr/>
+        <p:txBody>
+          <a:bodyPr/>
+          <a:lstStyle/>
+          <a:p>
+            <a:endParaRPr lang="fr-FR" b="1" dirty="0"/>
+          </a:p>
+          <a:p>
+            <a:r>
+              <a:rPr lang="fr-FR" dirty="0"/>
+              <a:t>Write a </a:t>
+            </a:r>
+            <a:r>
+              <a:rPr lang="fr-FR" dirty="0" err="1"/>
+              <a:t>method</a:t>
+            </a:r>
+            <a:r>
+              <a:rPr lang="fr-FR" dirty="0"/>
+              <a:t> </a:t>
+            </a:r>
+            <a:r>
+              <a:rPr lang="fr-FR" b="1" dirty="0" err="1"/>
+              <a:t>build_cooc_table</a:t>
+            </a:r>
+            <a:r>
+              <a:rPr lang="fr-FR" b="1" dirty="0"/>
+              <a:t>(</a:t>
+            </a:r>
+            <a:r>
+              <a:rPr lang="fr-FR" b="1" dirty="0" err="1"/>
+              <a:t>filepath_fr</a:t>
+            </a:r>
+            <a:r>
+              <a:rPr lang="fr-FR" b="1" dirty="0"/>
+              <a:t>, </a:t>
+            </a:r>
+            <a:r>
+              <a:rPr lang="fr-FR" b="1" dirty="0" err="1"/>
+              <a:t>filepath_en</a:t>
+            </a:r>
+            <a:r>
+              <a:rPr lang="fr-FR" b="1" dirty="0"/>
+              <a:t>) </a:t>
+            </a:r>
+            <a:r>
+              <a:rPr lang="fr-FR" dirty="0" err="1"/>
+              <a:t>that</a:t>
+            </a:r>
+            <a:r>
+              <a:rPr lang="fr-FR" dirty="0"/>
+              <a:t> </a:t>
+            </a:r>
+            <a:r>
+              <a:rPr lang="fr-FR" dirty="0" err="1"/>
+              <a:t>takes</a:t>
+            </a:r>
+            <a:r>
+              <a:rPr lang="fr-FR" dirty="0"/>
+              <a:t> </a:t>
+            </a:r>
+            <a:r>
+              <a:rPr lang="fr-FR" dirty="0" err="1"/>
+              <a:t>two</a:t>
+            </a:r>
+            <a:r>
+              <a:rPr lang="fr-FR" dirty="0"/>
+              <a:t> </a:t>
+            </a:r>
+            <a:r>
+              <a:rPr lang="fr-FR" dirty="0" err="1"/>
+              <a:t>filenames</a:t>
+            </a:r>
+            <a:r>
+              <a:rPr lang="fr-FR" dirty="0"/>
+              <a:t> </a:t>
+            </a:r>
+            <a:r>
+              <a:rPr lang="fr-FR" dirty="0" err="1"/>
+              <a:t>describing</a:t>
+            </a:r>
+            <a:r>
+              <a:rPr lang="fr-FR" dirty="0"/>
+              <a:t> a </a:t>
+            </a:r>
+            <a:r>
+              <a:rPr lang="fr-FR" dirty="0" err="1"/>
+              <a:t>parallel</a:t>
+            </a:r>
+            <a:r>
+              <a:rPr lang="fr-FR" dirty="0"/>
+              <a:t> corpus and </a:t>
+            </a:r>
+            <a:r>
+              <a:rPr lang="fr-FR" dirty="0" err="1"/>
+              <a:t>returns</a:t>
+            </a:r>
+            <a:r>
+              <a:rPr lang="fr-FR" dirty="0"/>
+              <a:t> the </a:t>
+            </a:r>
+            <a:r>
+              <a:rPr lang="fr-FR" dirty="0" err="1"/>
+              <a:t>co-occurrence</a:t>
+            </a:r>
+            <a:r>
+              <a:rPr lang="fr-FR" dirty="0"/>
+              <a:t> table of </a:t>
+            </a:r>
+            <a:r>
+              <a:rPr lang="fr-FR" dirty="0" err="1"/>
+              <a:t>this</a:t>
+            </a:r>
+            <a:r>
+              <a:rPr lang="fr-FR" dirty="0"/>
+              <a:t> corpus. </a:t>
+            </a:r>
+          </a:p>
+          <a:p>
+            <a:r>
+              <a:rPr lang="fr-FR" dirty="0" err="1"/>
+              <a:t>Beware</a:t>
+            </a:r>
+            <a:r>
+              <a:rPr lang="fr-FR" dirty="0"/>
+              <a:t>: </a:t>
+            </a:r>
+            <a:r>
+              <a:rPr lang="fr-FR" dirty="0" err="1"/>
+              <a:t>we</a:t>
+            </a:r>
+            <a:r>
+              <a:rPr lang="fr-FR" dirty="0"/>
+              <a:t> </a:t>
+            </a:r>
+            <a:r>
+              <a:rPr lang="fr-FR" dirty="0" err="1"/>
+              <a:t>want</a:t>
+            </a:r>
+            <a:r>
+              <a:rPr lang="fr-FR" dirty="0"/>
+              <a:t> to </a:t>
+            </a:r>
+            <a:r>
+              <a:rPr lang="fr-FR" dirty="0" err="1"/>
+              <a:t>determine</a:t>
+            </a:r>
+            <a:r>
+              <a:rPr lang="fr-FR" dirty="0"/>
+              <a:t> the </a:t>
+            </a:r>
+            <a:r>
+              <a:rPr lang="fr-FR" i="1" dirty="0" err="1"/>
+              <a:t>number</a:t>
+            </a:r>
+            <a:r>
+              <a:rPr lang="fr-FR" i="1" dirty="0"/>
+              <a:t> of sentences</a:t>
+            </a:r>
+            <a:r>
+              <a:rPr lang="fr-FR" dirty="0"/>
+              <a:t> in </a:t>
+            </a:r>
+            <a:r>
+              <a:rPr lang="fr-FR" dirty="0" err="1"/>
+              <a:t>which</a:t>
+            </a:r>
+            <a:r>
+              <a:rPr lang="fr-FR" dirty="0"/>
+              <a:t> a </a:t>
+            </a:r>
+            <a:r>
+              <a:rPr lang="fr-FR" dirty="0" err="1"/>
+              <a:t>word</a:t>
+            </a:r>
+            <a:r>
+              <a:rPr lang="fr-FR" dirty="0"/>
+              <a:t> </a:t>
+            </a:r>
+            <a:r>
+              <a:rPr lang="fr-FR" dirty="0" err="1"/>
+              <a:t>appears</a:t>
+            </a:r>
+            <a:r>
+              <a:rPr lang="fr-FR" dirty="0"/>
+              <a:t>, and </a:t>
+            </a:r>
+            <a:r>
+              <a:rPr lang="fr-FR" dirty="0" err="1"/>
+              <a:t>even</a:t>
+            </a:r>
+            <a:r>
+              <a:rPr lang="fr-FR" dirty="0"/>
+              <a:t> if a </a:t>
+            </a:r>
+            <a:r>
+              <a:rPr lang="fr-FR" dirty="0" err="1"/>
+              <a:t>word</a:t>
+            </a:r>
+            <a:r>
+              <a:rPr lang="fr-FR" dirty="0"/>
+              <a:t> </a:t>
+            </a:r>
+            <a:r>
+              <a:rPr lang="fr-FR" dirty="0" err="1"/>
+              <a:t>appears</a:t>
+            </a:r>
+            <a:r>
+              <a:rPr lang="fr-FR" dirty="0"/>
+              <a:t> </a:t>
+            </a:r>
+            <a:r>
+              <a:rPr lang="fr-FR" dirty="0" err="1"/>
+              <a:t>several</a:t>
+            </a:r>
+            <a:r>
+              <a:rPr lang="fr-FR" dirty="0"/>
+              <a:t> times in the </a:t>
+            </a:r>
+            <a:r>
+              <a:rPr lang="fr-FR" dirty="0" err="1"/>
+              <a:t>same</a:t>
+            </a:r>
+            <a:r>
+              <a:rPr lang="fr-FR" dirty="0"/>
+              <a:t> sentence, </a:t>
+            </a:r>
+            <a:r>
+              <a:rPr lang="fr-FR" dirty="0" err="1"/>
+              <a:t>it</a:t>
+            </a:r>
+            <a:r>
+              <a:rPr lang="fr-FR" dirty="0"/>
+              <a:t> must </a:t>
+            </a:r>
+            <a:r>
+              <a:rPr lang="fr-FR" dirty="0" err="1"/>
+              <a:t>be</a:t>
+            </a:r>
+            <a:r>
+              <a:rPr lang="fr-FR" dirty="0"/>
+              <a:t> </a:t>
+            </a:r>
+            <a:r>
+              <a:rPr lang="fr-FR" dirty="0" err="1"/>
+              <a:t>counted</a:t>
+            </a:r>
+            <a:r>
+              <a:rPr lang="fr-FR" dirty="0"/>
+              <a:t> </a:t>
+            </a:r>
+            <a:r>
+              <a:rPr lang="fr-FR" dirty="0" err="1"/>
+              <a:t>only</a:t>
+            </a:r>
+            <a:r>
+              <a:rPr lang="fr-FR" dirty="0"/>
+              <a:t> once.</a:t>
+            </a:r>
+          </a:p>
+          <a:p>
+            <a:r>
+              <a:rPr lang="fr-FR" dirty="0"/>
+              <a:t>=&gt; </a:t>
+            </a:r>
+            <a:r>
+              <a:rPr lang="fr-FR" dirty="0" err="1"/>
+              <a:t>Remember</a:t>
+            </a:r>
+            <a:r>
+              <a:rPr lang="fr-FR" dirty="0"/>
+              <a:t> to </a:t>
+            </a:r>
+            <a:r>
+              <a:rPr lang="fr-FR" dirty="0" err="1"/>
+              <a:t>remove</a:t>
+            </a:r>
+            <a:r>
+              <a:rPr lang="fr-FR" dirty="0"/>
+              <a:t> duplicates </a:t>
+            </a:r>
+            <a:r>
+              <a:rPr lang="fr-FR" dirty="0" err="1"/>
+              <a:t>within</a:t>
+            </a:r>
+            <a:r>
+              <a:rPr lang="fr-FR" dirty="0"/>
+              <a:t> a sentence </a:t>
+            </a:r>
+            <a:r>
+              <a:rPr lang="fr-FR" dirty="0" err="1"/>
+              <a:t>before</a:t>
+            </a:r>
+            <a:r>
+              <a:rPr lang="fr-FR" dirty="0"/>
+              <a:t> </a:t>
+            </a:r>
+            <a:r>
+              <a:rPr lang="fr-FR" dirty="0" err="1"/>
+              <a:t>performing</a:t>
+            </a:r>
+            <a:r>
+              <a:rPr lang="fr-FR" dirty="0"/>
+              <a:t> the </a:t>
+            </a:r>
+            <a:r>
+              <a:rPr lang="fr-FR" dirty="0" err="1"/>
+              <a:t>counts</a:t>
+            </a:r>
+            <a:r>
+              <a:rPr lang="fr-FR" dirty="0"/>
+              <a:t>.</a:t>
+            </a:r>
+          </a:p>
+        </p:txBody>
+      </p:sp>
+    </p:spTree>
+    <p:extLst>
+      <p:ext uri="{BB962C8B-B14F-4D97-AF65-F5344CB8AC3E}">
+        <p14:creationId xmlns:p14="http://schemas.microsoft.com/office/powerpoint/2010/main" val="1889719042"/>
+      </p:ext>
+    </p:extLst>
+  </p:cSld>
+  <p:clrMapOvr>
+    <a:masterClrMapping/>
+  </p:clrMapOvr>
+</p:sld>
+</file>
+
+<file path=ppt/slides/slide12.xml><?xml version="1.0" encoding="utf-8"?>
+<p:sld xmlns:a="http://schemas.openxmlformats.org/drawingml/2006/main" xmlns:r="http://schemas.openxmlformats.org/officeDocument/2006/relationships" xmlns:p="http://schemas.openxmlformats.org/presentationml/2006/main">
+  <p:cSld>
+    <p:spTree>
+      <p:nvGrpSpPr>
+        <p:cNvPr id="1" name=""/>
+        <p:cNvGrpSpPr/>
+        <p:nvPr/>
+      </p:nvGrpSpPr>
+      <p:grpSpPr>
+        <a:xfrm>
+          <a:off x="0" y="0"/>
+          <a:ext cx="0" cy="0"/>
+          <a:chOff x="0" y="0"/>
+          <a:chExt cx="0" cy="0"/>
+        </a:xfrm>
+      </p:grpSpPr>
+      <p:sp>
+        <p:nvSpPr>
+          <p:cNvPr id="2" name="Titre 1">
+            <a:extLst>
+              <a:ext uri="{FF2B5EF4-FFF2-40B4-BE49-F238E27FC236}">
+                <a16:creationId xmlns:a16="http://schemas.microsoft.com/office/drawing/2014/main" id="{FBB27FB0-209D-FB4C-9E09-E153BF139857}"/>
+              </a:ext>
+            </a:extLst>
+          </p:cNvPr>
+          <p:cNvSpPr>
+            <a:spLocks noGrp="1"/>
+          </p:cNvSpPr>
+          <p:nvPr>
+            <p:ph type="title"/>
+          </p:nvPr>
+        </p:nvSpPr>
+        <p:spPr/>
+        <p:txBody>
+          <a:bodyPr/>
+          <a:lstStyle/>
+          <a:p>
+            <a:pPr algn="ctr"/>
+            <a:r>
+              <a:rPr lang="fr-FR" dirty="0" err="1"/>
+              <a:t>INstructions</a:t>
+            </a:r>
+            <a:endParaRPr lang="fr-FR" dirty="0"/>
+          </a:p>
+        </p:txBody>
+      </p:sp>
+      <p:sp>
+        <p:nvSpPr>
+          <p:cNvPr id="3" name="Espace réservé du contenu 2">
+            <a:extLst>
+              <a:ext uri="{FF2B5EF4-FFF2-40B4-BE49-F238E27FC236}">
+                <a16:creationId xmlns:a16="http://schemas.microsoft.com/office/drawing/2014/main" id="{092479CA-9656-F544-956A-94862696A785}"/>
+              </a:ext>
+            </a:extLst>
+          </p:cNvPr>
+          <p:cNvSpPr>
+            <a:spLocks noGrp="1"/>
+          </p:cNvSpPr>
+          <p:nvPr>
+            <p:ph idx="1"/>
+          </p:nvPr>
+        </p:nvSpPr>
+        <p:spPr/>
+        <p:txBody>
+          <a:bodyPr/>
+          <a:lstStyle/>
+          <a:p>
+            <a:r>
+              <a:rPr lang="fr-FR" dirty="0"/>
+              <a:t>Sort the </a:t>
+            </a:r>
+            <a:r>
+              <a:rPr lang="fr-FR" dirty="0" err="1"/>
+              <a:t>cooc</a:t>
+            </a:r>
+            <a:r>
+              <a:rPr lang="fr-FR" dirty="0"/>
+              <a:t> table by </a:t>
+            </a:r>
+            <a:r>
+              <a:rPr lang="fr-FR" dirty="0" err="1"/>
+              <a:t>decreasing</a:t>
+            </a:r>
+            <a:r>
+              <a:rPr lang="fr-FR" dirty="0"/>
+              <a:t> </a:t>
+            </a:r>
+            <a:r>
+              <a:rPr lang="fr-FR" dirty="0" err="1"/>
+              <a:t>frequency</a:t>
+            </a:r>
+            <a:r>
+              <a:rPr lang="fr-FR" dirty="0"/>
+              <a:t> and </a:t>
+            </a:r>
+            <a:r>
+              <a:rPr lang="fr-FR" dirty="0" err="1"/>
+              <a:t>print</a:t>
+            </a:r>
+            <a:r>
+              <a:rPr lang="fr-FR" dirty="0"/>
+              <a:t> </a:t>
+            </a:r>
+            <a:r>
+              <a:rPr lang="fr-FR" dirty="0" err="1"/>
+              <a:t>it</a:t>
+            </a:r>
+            <a:r>
+              <a:rPr lang="fr-FR" dirty="0"/>
+              <a:t> in an </a:t>
+            </a:r>
+            <a:r>
+              <a:rPr lang="fr-FR" dirty="0" err="1"/>
+              <a:t>external</a:t>
+            </a:r>
+            <a:r>
+              <a:rPr lang="fr-FR" dirty="0"/>
+              <a:t> file (1 pair of </a:t>
+            </a:r>
+            <a:r>
+              <a:rPr lang="fr-FR" dirty="0" err="1"/>
+              <a:t>words</a:t>
+            </a:r>
+            <a:r>
+              <a:rPr lang="fr-FR" dirty="0"/>
+              <a:t> per line). </a:t>
+            </a:r>
+          </a:p>
+          <a:p>
+            <a:r>
+              <a:rPr lang="fr-FR" dirty="0"/>
+              <a:t>To sort the table, </a:t>
+            </a:r>
+            <a:r>
+              <a:rPr lang="fr-FR" dirty="0" err="1"/>
+              <a:t>you</a:t>
+            </a:r>
+            <a:r>
+              <a:rPr lang="fr-FR" dirty="0"/>
+              <a:t> </a:t>
+            </a:r>
+            <a:r>
+              <a:rPr lang="fr-FR" dirty="0" err="1"/>
+              <a:t>will</a:t>
+            </a:r>
+            <a:r>
+              <a:rPr lang="fr-FR" dirty="0"/>
+              <a:t> first have to </a:t>
+            </a:r>
+            <a:r>
+              <a:rPr lang="fr-FR" dirty="0" err="1"/>
+              <a:t>transform</a:t>
+            </a:r>
+            <a:r>
+              <a:rPr lang="fr-FR" dirty="0"/>
+              <a:t> </a:t>
+            </a:r>
+            <a:r>
+              <a:rPr lang="fr-FR" dirty="0" err="1"/>
+              <a:t>it</a:t>
+            </a:r>
+            <a:r>
+              <a:rPr lang="fr-FR" dirty="0"/>
+              <a:t> </a:t>
+            </a:r>
+            <a:r>
+              <a:rPr lang="fr-FR" dirty="0" err="1"/>
+              <a:t>into</a:t>
+            </a:r>
+            <a:r>
+              <a:rPr lang="fr-FR" dirty="0"/>
+              <a:t> a </a:t>
+            </a:r>
+            <a:r>
+              <a:rPr lang="fr-FR" dirty="0" err="1"/>
+              <a:t>list</a:t>
+            </a:r>
+            <a:r>
+              <a:rPr lang="fr-FR" dirty="0"/>
+              <a:t> of </a:t>
+            </a:r>
+            <a:r>
+              <a:rPr lang="fr-FR" dirty="0" err="1"/>
+              <a:t>tuples</a:t>
+            </a:r>
+            <a:r>
+              <a:rPr lang="fr-FR" dirty="0"/>
+              <a:t> (French </a:t>
+            </a:r>
+            <a:r>
+              <a:rPr lang="fr-FR" dirty="0" err="1"/>
+              <a:t>word</a:t>
+            </a:r>
+            <a:r>
+              <a:rPr lang="fr-FR" dirty="0"/>
+              <a:t>, English </a:t>
+            </a:r>
+            <a:r>
+              <a:rPr lang="fr-FR" dirty="0" err="1"/>
+              <a:t>word</a:t>
+            </a:r>
+            <a:r>
+              <a:rPr lang="fr-FR" dirty="0"/>
+              <a:t>, </a:t>
+            </a:r>
+            <a:r>
+              <a:rPr lang="fr-FR" dirty="0" err="1"/>
+              <a:t>frequency</a:t>
+            </a:r>
+            <a:r>
+              <a:rPr lang="fr-FR" dirty="0"/>
+              <a:t>). </a:t>
+            </a:r>
+          </a:p>
+          <a:p>
+            <a:r>
+              <a:rPr lang="fr-FR" dirty="0" err="1"/>
+              <a:t>Finally</a:t>
+            </a:r>
+            <a:r>
+              <a:rPr lang="fr-FR" dirty="0"/>
+              <a:t>, </a:t>
+            </a:r>
+            <a:r>
+              <a:rPr lang="fr-FR" dirty="0" err="1"/>
+              <a:t>interpret</a:t>
+            </a:r>
+            <a:r>
+              <a:rPr lang="fr-FR" dirty="0"/>
+              <a:t> the </a:t>
+            </a:r>
+            <a:r>
+              <a:rPr lang="fr-FR" dirty="0" err="1"/>
+              <a:t>result</a:t>
+            </a:r>
+            <a:r>
+              <a:rPr lang="fr-FR" dirty="0"/>
+              <a:t> </a:t>
+            </a:r>
+            <a:r>
+              <a:rPr lang="fr-FR" dirty="0" err="1"/>
+              <a:t>obtained</a:t>
+            </a:r>
+            <a:r>
+              <a:rPr lang="fr-FR" dirty="0"/>
+              <a:t>: </a:t>
+            </a:r>
+            <a:r>
+              <a:rPr lang="fr-FR" dirty="0" err="1"/>
+              <a:t>does</a:t>
+            </a:r>
+            <a:r>
+              <a:rPr lang="fr-FR" dirty="0"/>
+              <a:t> </a:t>
+            </a:r>
+            <a:r>
+              <a:rPr lang="fr-FR" dirty="0" err="1"/>
+              <a:t>this</a:t>
+            </a:r>
+            <a:r>
+              <a:rPr lang="fr-FR" dirty="0"/>
+              <a:t> </a:t>
+            </a:r>
+            <a:r>
+              <a:rPr lang="fr-FR" dirty="0" err="1"/>
+              <a:t>method</a:t>
+            </a:r>
+            <a:r>
+              <a:rPr lang="fr-FR" dirty="0"/>
+              <a:t> </a:t>
+            </a:r>
+            <a:r>
+              <a:rPr lang="fr-FR" dirty="0" err="1"/>
+              <a:t>allow</a:t>
+            </a:r>
+            <a:r>
+              <a:rPr lang="fr-FR" dirty="0"/>
+              <a:t> </a:t>
+            </a:r>
+            <a:r>
+              <a:rPr lang="fr-FR" dirty="0" err="1"/>
+              <a:t>you</a:t>
+            </a:r>
+            <a:r>
+              <a:rPr lang="fr-FR" dirty="0"/>
+              <a:t> to </a:t>
+            </a:r>
+            <a:r>
+              <a:rPr lang="fr-FR" dirty="0" err="1"/>
+              <a:t>build</a:t>
+            </a:r>
+            <a:r>
+              <a:rPr lang="fr-FR" dirty="0"/>
+              <a:t> a "good" </a:t>
+            </a:r>
+            <a:r>
+              <a:rPr lang="fr-FR" dirty="0" err="1"/>
+              <a:t>lexicon</a:t>
+            </a:r>
+            <a:r>
+              <a:rPr lang="fr-FR" dirty="0"/>
+              <a:t>?</a:t>
+            </a:r>
+          </a:p>
+        </p:txBody>
+      </p:sp>
+    </p:spTree>
+    <p:extLst>
+      <p:ext uri="{BB962C8B-B14F-4D97-AF65-F5344CB8AC3E}">
+        <p14:creationId xmlns:p14="http://schemas.microsoft.com/office/powerpoint/2010/main" val="1255310951"/>
+      </p:ext>
+    </p:extLst>
+  </p:cSld>
+  <p:clrMapOvr>
+    <a:masterClrMapping/>
+  </p:clrMapOvr>
+</p:sld>
+</file>
+
 <file path=ppt/slides/slide2.xml><?xml version="1.0" encoding="utf-8"?>
 <p:sld xmlns:a="http://schemas.openxmlformats.org/drawingml/2006/main" xmlns:r="http://schemas.openxmlformats.org/officeDocument/2006/relationships" xmlns:p="http://schemas.openxmlformats.org/presentationml/2006/main">
   <p:cSld>
@@ -4114,21 +5119,10 @@
           <a:bodyPr/>
           <a:lstStyle/>
           <a:p>
-            <a:r>
-              <a:rPr lang="fr-FR" dirty="0" err="1"/>
-              <a:t>Cf</a:t>
-            </a:r>
-            <a:r>
-              <a:rPr lang="fr-FR" dirty="0"/>
-              <a:t> TP </a:t>
-            </a:r>
-            <a:r>
-              <a:rPr lang="fr-FR" dirty="0" err="1"/>
-              <a:t>Wisniewski</a:t>
-            </a:r>
-            <a:r>
-              <a:rPr lang="fr-FR"/>
-              <a:t> + </a:t>
+            <a:pPr algn="ctr"/>
+            <a:r>
+              <a:rPr lang="fr-FR" dirty="0"/>
+              <a:t>Objective</a:t>
             </a:r>
           </a:p>
         </p:txBody>
@@ -4154,6 +5148,48 @@
           <a:bodyPr/>
           <a:lstStyle/>
           <a:p>
+            <a:endParaRPr lang="fr-FR" dirty="0"/>
+          </a:p>
+          <a:p>
+            <a:endParaRPr lang="fr-FR" dirty="0"/>
+          </a:p>
+          <a:p>
+            <a:r>
+              <a:rPr lang="fr-FR" dirty="0" err="1"/>
+              <a:t>Create</a:t>
+            </a:r>
+            <a:r>
+              <a:rPr lang="fr-FR" dirty="0"/>
+              <a:t> a </a:t>
+            </a:r>
+            <a:r>
+              <a:rPr lang="fr-FR" dirty="0" err="1"/>
+              <a:t>bilingual</a:t>
+            </a:r>
+            <a:r>
+              <a:rPr lang="fr-FR" dirty="0"/>
+              <a:t> </a:t>
+            </a:r>
+            <a:r>
+              <a:rPr lang="fr-FR" dirty="0" err="1"/>
+              <a:t>lexicon</a:t>
+            </a:r>
+            <a:r>
+              <a:rPr lang="fr-FR" dirty="0"/>
+              <a:t> </a:t>
+            </a:r>
+            <a:r>
+              <a:rPr lang="fr-FR" dirty="0" err="1"/>
+              <a:t>using</a:t>
+            </a:r>
+            <a:r>
+              <a:rPr lang="fr-FR" dirty="0"/>
+              <a:t> a corpus of English and French </a:t>
+            </a:r>
+            <a:r>
+              <a:rPr lang="fr-FR" dirty="0" err="1"/>
+              <a:t>texts</a:t>
+            </a:r>
             <a:endParaRPr lang="fr-FR" dirty="0"/>
           </a:p>
         </p:txBody>
@@ -4162,6 +5198,2195 @@
     <p:extLst>
       <p:ext uri="{BB962C8B-B14F-4D97-AF65-F5344CB8AC3E}">
         <p14:creationId xmlns:p14="http://schemas.microsoft.com/office/powerpoint/2010/main" val="1847838102"/>
+      </p:ext>
+    </p:extLst>
+  </p:cSld>
+  <p:clrMapOvr>
+    <a:masterClrMapping/>
+  </p:clrMapOvr>
+</p:sld>
+</file>
+
+<file path=ppt/slides/slide3.xml><?xml version="1.0" encoding="utf-8"?>
+<p:sld xmlns:a="http://schemas.openxmlformats.org/drawingml/2006/main" xmlns:r="http://schemas.openxmlformats.org/officeDocument/2006/relationships" xmlns:p="http://schemas.openxmlformats.org/presentationml/2006/main">
+  <p:cSld>
+    <p:spTree>
+      <p:nvGrpSpPr>
+        <p:cNvPr id="1" name=""/>
+        <p:cNvGrpSpPr/>
+        <p:nvPr/>
+      </p:nvGrpSpPr>
+      <p:grpSpPr>
+        <a:xfrm>
+          <a:off x="0" y="0"/>
+          <a:ext cx="0" cy="0"/>
+          <a:chOff x="0" y="0"/>
+          <a:chExt cx="0" cy="0"/>
+        </a:xfrm>
+      </p:grpSpPr>
+      <p:sp>
+        <p:nvSpPr>
+          <p:cNvPr id="2" name="Titre 1">
+            <a:extLst>
+              <a:ext uri="{FF2B5EF4-FFF2-40B4-BE49-F238E27FC236}">
+                <a16:creationId xmlns:a16="http://schemas.microsoft.com/office/drawing/2014/main" id="{FD7A0530-A315-AD4B-96A2-990CEDA4EF24}"/>
+              </a:ext>
+            </a:extLst>
+          </p:cNvPr>
+          <p:cNvSpPr>
+            <a:spLocks noGrp="1"/>
+          </p:cNvSpPr>
+          <p:nvPr>
+            <p:ph type="title"/>
+          </p:nvPr>
+        </p:nvSpPr>
+        <p:spPr/>
+        <p:txBody>
+          <a:bodyPr/>
+          <a:lstStyle/>
+          <a:p>
+            <a:pPr algn="ctr"/>
+            <a:r>
+              <a:rPr lang="fr-FR" dirty="0" err="1"/>
+              <a:t>Definitionof</a:t>
+            </a:r>
+            <a:r>
+              <a:rPr lang="fr-FR" dirty="0"/>
+              <a:t> a </a:t>
+            </a:r>
+            <a:r>
+              <a:rPr lang="fr-FR" dirty="0" err="1"/>
+              <a:t>bilingual</a:t>
+            </a:r>
+            <a:r>
+              <a:rPr lang="fr-FR" dirty="0"/>
+              <a:t> </a:t>
+            </a:r>
+            <a:r>
+              <a:rPr lang="fr-FR" dirty="0" err="1"/>
+              <a:t>lexicon</a:t>
+            </a:r>
+            <a:endParaRPr lang="fr-FR" dirty="0"/>
+          </a:p>
+        </p:txBody>
+      </p:sp>
+      <p:sp>
+        <p:nvSpPr>
+          <p:cNvPr id="3" name="Espace réservé du contenu 2">
+            <a:extLst>
+              <a:ext uri="{FF2B5EF4-FFF2-40B4-BE49-F238E27FC236}">
+                <a16:creationId xmlns:a16="http://schemas.microsoft.com/office/drawing/2014/main" id="{C2826E50-7E2A-A342-A601-8DBAA118EDAE}"/>
+              </a:ext>
+            </a:extLst>
+          </p:cNvPr>
+          <p:cNvSpPr>
+            <a:spLocks noGrp="1"/>
+          </p:cNvSpPr>
+          <p:nvPr>
+            <p:ph idx="1"/>
+          </p:nvPr>
+        </p:nvSpPr>
+        <p:spPr/>
+        <p:txBody>
+          <a:bodyPr/>
+          <a:lstStyle/>
+          <a:p>
+            <a:endParaRPr lang="fr-FR" dirty="0"/>
+          </a:p>
+          <a:p>
+            <a:r>
+              <a:rPr lang="fr-FR" dirty="0"/>
+              <a:t>A </a:t>
+            </a:r>
+            <a:r>
+              <a:rPr lang="fr-FR" dirty="0" err="1"/>
+              <a:t>bilingual</a:t>
+            </a:r>
+            <a:r>
+              <a:rPr lang="fr-FR" dirty="0"/>
+              <a:t> </a:t>
+            </a:r>
+            <a:r>
+              <a:rPr lang="fr-FR" dirty="0" err="1"/>
+              <a:t>lexicon</a:t>
+            </a:r>
+            <a:r>
+              <a:rPr lang="fr-FR" dirty="0"/>
+              <a:t> </a:t>
+            </a:r>
+            <a:r>
+              <a:rPr lang="fr-FR" dirty="0" err="1"/>
+              <a:t>is</a:t>
+            </a:r>
+            <a:r>
+              <a:rPr lang="fr-FR" dirty="0"/>
+              <a:t> a </a:t>
+            </a:r>
+            <a:r>
+              <a:rPr lang="fr-FR" dirty="0" err="1"/>
+              <a:t>dictionary</a:t>
+            </a:r>
+            <a:r>
+              <a:rPr lang="fr-FR" dirty="0"/>
+              <a:t> </a:t>
+            </a:r>
+            <a:r>
+              <a:rPr lang="fr-FR" dirty="0" err="1"/>
+              <a:t>that</a:t>
+            </a:r>
+            <a:r>
+              <a:rPr lang="fr-FR" dirty="0"/>
+              <a:t> </a:t>
+            </a:r>
+            <a:r>
+              <a:rPr lang="fr-FR" dirty="0" err="1"/>
+              <a:t>associates</a:t>
+            </a:r>
+            <a:r>
+              <a:rPr lang="fr-FR" dirty="0"/>
+              <a:t> a </a:t>
+            </a:r>
+            <a:r>
+              <a:rPr lang="fr-FR" dirty="0" err="1"/>
+              <a:t>word</a:t>
+            </a:r>
+            <a:r>
+              <a:rPr lang="fr-FR" dirty="0"/>
+              <a:t> of a source </a:t>
+            </a:r>
+            <a:r>
+              <a:rPr lang="fr-FR" dirty="0" err="1"/>
+              <a:t>language</a:t>
+            </a:r>
+            <a:r>
+              <a:rPr lang="fr-FR" dirty="0"/>
+              <a:t> </a:t>
+            </a:r>
+            <a:r>
+              <a:rPr lang="fr-FR" dirty="0" err="1"/>
+              <a:t>with</a:t>
+            </a:r>
+            <a:r>
+              <a:rPr lang="fr-FR" dirty="0"/>
+              <a:t> the </a:t>
+            </a:r>
+            <a:r>
+              <a:rPr lang="fr-FR" dirty="0" err="1"/>
+              <a:t>list</a:t>
+            </a:r>
+            <a:r>
+              <a:rPr lang="fr-FR" dirty="0"/>
+              <a:t> of </a:t>
+            </a:r>
+            <a:r>
+              <a:rPr lang="fr-FR" dirty="0" err="1"/>
+              <a:t>its</a:t>
+            </a:r>
+            <a:r>
+              <a:rPr lang="fr-FR" dirty="0"/>
+              <a:t> possible translations in a </a:t>
+            </a:r>
+            <a:r>
+              <a:rPr lang="fr-FR" dirty="0" err="1"/>
+              <a:t>target</a:t>
+            </a:r>
+            <a:r>
+              <a:rPr lang="fr-FR" dirty="0"/>
+              <a:t> </a:t>
+            </a:r>
+            <a:r>
+              <a:rPr lang="fr-FR" dirty="0" err="1"/>
+              <a:t>language</a:t>
+            </a:r>
+            <a:r>
+              <a:rPr lang="fr-FR" dirty="0"/>
+              <a:t>. </a:t>
+            </a:r>
+          </a:p>
+          <a:p>
+            <a:endParaRPr lang="fr-FR" dirty="0"/>
+          </a:p>
+        </p:txBody>
+      </p:sp>
+      <p:pic>
+        <p:nvPicPr>
+          <p:cNvPr id="4" name="Image 3">
+            <a:extLst>
+              <a:ext uri="{FF2B5EF4-FFF2-40B4-BE49-F238E27FC236}">
+                <a16:creationId xmlns:a16="http://schemas.microsoft.com/office/drawing/2014/main" id="{BAACBF60-CB72-2F41-BA5E-E05C34BFD505}"/>
+              </a:ext>
+            </a:extLst>
+          </p:cNvPr>
+          <p:cNvPicPr>
+            <a:picLocks noChangeAspect="1"/>
+          </p:cNvPicPr>
+          <p:nvPr/>
+        </p:nvPicPr>
+        <p:blipFill>
+          <a:blip r:embed="rId2"/>
+          <a:stretch>
+            <a:fillRect/>
+          </a:stretch>
+        </p:blipFill>
+        <p:spPr>
+          <a:xfrm>
+            <a:off x="2612390" y="3624655"/>
+            <a:ext cx="7759700" cy="1562100"/>
+          </a:xfrm>
+          <a:prstGeom prst="rect">
+            <a:avLst/>
+          </a:prstGeom>
+        </p:spPr>
+      </p:pic>
+    </p:spTree>
+    <p:extLst>
+      <p:ext uri="{BB962C8B-B14F-4D97-AF65-F5344CB8AC3E}">
+        <p14:creationId xmlns:p14="http://schemas.microsoft.com/office/powerpoint/2010/main" val="1461339485"/>
+      </p:ext>
+    </p:extLst>
+  </p:cSld>
+  <p:clrMapOvr>
+    <a:masterClrMapping/>
+  </p:clrMapOvr>
+</p:sld>
+</file>
+
+<file path=ppt/slides/slide4.xml><?xml version="1.0" encoding="utf-8"?>
+<p:sld xmlns:a="http://schemas.openxmlformats.org/drawingml/2006/main" xmlns:r="http://schemas.openxmlformats.org/officeDocument/2006/relationships" xmlns:p="http://schemas.openxmlformats.org/presentationml/2006/main">
+  <p:cSld>
+    <p:spTree>
+      <p:nvGrpSpPr>
+        <p:cNvPr id="1" name=""/>
+        <p:cNvGrpSpPr/>
+        <p:nvPr/>
+      </p:nvGrpSpPr>
+      <p:grpSpPr>
+        <a:xfrm>
+          <a:off x="0" y="0"/>
+          <a:ext cx="0" cy="0"/>
+          <a:chOff x="0" y="0"/>
+          <a:chExt cx="0" cy="0"/>
+        </a:xfrm>
+      </p:grpSpPr>
+      <p:sp>
+        <p:nvSpPr>
+          <p:cNvPr id="2" name="Titre 1">
+            <a:extLst>
+              <a:ext uri="{FF2B5EF4-FFF2-40B4-BE49-F238E27FC236}">
+                <a16:creationId xmlns:a16="http://schemas.microsoft.com/office/drawing/2014/main" id="{F4EC3F27-49B9-2044-AD20-70675989C245}"/>
+              </a:ext>
+            </a:extLst>
+          </p:cNvPr>
+          <p:cNvSpPr>
+            <a:spLocks noGrp="1"/>
+          </p:cNvSpPr>
+          <p:nvPr>
+            <p:ph type="title"/>
+          </p:nvPr>
+        </p:nvSpPr>
+        <p:spPr/>
+        <p:txBody>
+          <a:bodyPr/>
+          <a:lstStyle/>
+          <a:p>
+            <a:pPr algn="ctr"/>
+            <a:r>
+              <a:rPr lang="fr-FR" dirty="0" err="1"/>
+              <a:t>Methodology</a:t>
+            </a:r>
+            <a:endParaRPr lang="fr-FR" dirty="0"/>
+          </a:p>
+        </p:txBody>
+      </p:sp>
+      <p:sp>
+        <p:nvSpPr>
+          <p:cNvPr id="3" name="Espace réservé du contenu 2">
+            <a:extLst>
+              <a:ext uri="{FF2B5EF4-FFF2-40B4-BE49-F238E27FC236}">
+                <a16:creationId xmlns:a16="http://schemas.microsoft.com/office/drawing/2014/main" id="{4616D179-4720-3445-A8B4-2D00B55E4DC7}"/>
+              </a:ext>
+            </a:extLst>
+          </p:cNvPr>
+          <p:cNvSpPr>
+            <a:spLocks noGrp="1"/>
+          </p:cNvSpPr>
+          <p:nvPr>
+            <p:ph idx="1"/>
+          </p:nvPr>
+        </p:nvSpPr>
+        <p:spPr/>
+        <p:txBody>
+          <a:bodyPr/>
+          <a:lstStyle/>
+          <a:p>
+            <a:endParaRPr lang="fr-FR" dirty="0"/>
+          </a:p>
+          <a:p>
+            <a:r>
+              <a:rPr lang="fr-FR" dirty="0"/>
+              <a:t>The extraction </a:t>
+            </a:r>
+            <a:r>
+              <a:rPr lang="fr-FR" dirty="0" err="1"/>
+              <a:t>will</a:t>
+            </a:r>
+            <a:r>
+              <a:rPr lang="fr-FR" dirty="0"/>
+              <a:t> </a:t>
+            </a:r>
+            <a:r>
+              <a:rPr lang="fr-FR" dirty="0" err="1"/>
+              <a:t>be</a:t>
+            </a:r>
+            <a:r>
+              <a:rPr lang="fr-FR" dirty="0"/>
+              <a:t> </a:t>
+            </a:r>
+            <a:r>
+              <a:rPr lang="fr-FR" i="1" dirty="0" err="1"/>
+              <a:t>unsupervised</a:t>
+            </a:r>
+            <a:r>
+              <a:rPr lang="fr-FR" i="1" dirty="0"/>
+              <a:t> </a:t>
+            </a:r>
+            <a:r>
+              <a:rPr lang="fr-FR" dirty="0"/>
+              <a:t>: the </a:t>
+            </a:r>
+            <a:r>
+              <a:rPr lang="fr-FR" dirty="0" err="1"/>
+              <a:t>method</a:t>
+            </a:r>
+            <a:r>
+              <a:rPr lang="fr-FR" dirty="0"/>
+              <a:t> </a:t>
+            </a:r>
+            <a:r>
+              <a:rPr lang="fr-FR" dirty="0" err="1"/>
+              <a:t>used</a:t>
+            </a:r>
+            <a:r>
+              <a:rPr lang="fr-FR" dirty="0"/>
+              <a:t> </a:t>
+            </a:r>
+            <a:r>
+              <a:rPr lang="fr-FR" dirty="0" err="1"/>
+              <a:t>will</a:t>
+            </a:r>
+            <a:r>
+              <a:rPr lang="fr-FR" dirty="0"/>
+              <a:t> </a:t>
+            </a:r>
+            <a:r>
+              <a:rPr lang="fr-FR" dirty="0" err="1"/>
+              <a:t>take</a:t>
+            </a:r>
+            <a:r>
+              <a:rPr lang="fr-FR" dirty="0"/>
+              <a:t> as input </a:t>
+            </a:r>
+            <a:r>
+              <a:rPr lang="fr-FR" dirty="0" err="1"/>
+              <a:t>only</a:t>
+            </a:r>
+            <a:r>
+              <a:rPr lang="fr-FR" dirty="0"/>
+              <a:t> a set of sentence pairs (a sentence in French and </a:t>
+            </a:r>
+            <a:r>
+              <a:rPr lang="fr-FR" dirty="0" err="1"/>
+              <a:t>its</a:t>
+            </a:r>
+            <a:r>
+              <a:rPr lang="fr-FR" dirty="0"/>
+              <a:t> translation in English). </a:t>
+            </a:r>
+          </a:p>
+          <a:p>
+            <a:r>
+              <a:rPr lang="fr-FR" dirty="0" err="1"/>
+              <a:t>Such</a:t>
+            </a:r>
+            <a:r>
+              <a:rPr lang="fr-FR" dirty="0"/>
+              <a:t> a corpus </a:t>
+            </a:r>
+            <a:r>
+              <a:rPr lang="fr-FR" dirty="0" err="1"/>
+              <a:t>is</a:t>
+            </a:r>
+            <a:r>
+              <a:rPr lang="fr-FR" dirty="0"/>
+              <a:t> </a:t>
+            </a:r>
+            <a:r>
+              <a:rPr lang="fr-FR" dirty="0" err="1"/>
+              <a:t>called</a:t>
+            </a:r>
+            <a:r>
+              <a:rPr lang="fr-FR" dirty="0"/>
+              <a:t> a "</a:t>
+            </a:r>
+            <a:r>
+              <a:rPr lang="fr-FR" dirty="0" err="1"/>
+              <a:t>parallel</a:t>
+            </a:r>
+            <a:r>
+              <a:rPr lang="fr-FR" dirty="0"/>
+              <a:t> corpus" and sentences </a:t>
+            </a:r>
+            <a:r>
+              <a:rPr lang="fr-FR" dirty="0" err="1"/>
+              <a:t>that</a:t>
+            </a:r>
+            <a:r>
+              <a:rPr lang="fr-FR" dirty="0"/>
+              <a:t> are translations of </a:t>
+            </a:r>
+            <a:r>
+              <a:rPr lang="fr-FR" dirty="0" err="1"/>
+              <a:t>each</a:t>
+            </a:r>
+            <a:r>
+              <a:rPr lang="fr-FR" dirty="0"/>
+              <a:t> </a:t>
+            </a:r>
+            <a:r>
+              <a:rPr lang="fr-FR" dirty="0" err="1"/>
+              <a:t>other</a:t>
+            </a:r>
+            <a:r>
+              <a:rPr lang="fr-FR" dirty="0"/>
+              <a:t> are </a:t>
+            </a:r>
+            <a:r>
+              <a:rPr lang="fr-FR" dirty="0" err="1"/>
+              <a:t>called</a:t>
+            </a:r>
+            <a:r>
+              <a:rPr lang="fr-FR" dirty="0"/>
+              <a:t> "</a:t>
+            </a:r>
+            <a:r>
+              <a:rPr lang="fr-FR" dirty="0" err="1"/>
+              <a:t>parallel</a:t>
+            </a:r>
+            <a:r>
+              <a:rPr lang="fr-FR" dirty="0"/>
+              <a:t>". </a:t>
+            </a:r>
+          </a:p>
+        </p:txBody>
+      </p:sp>
+    </p:spTree>
+    <p:extLst>
+      <p:ext uri="{BB962C8B-B14F-4D97-AF65-F5344CB8AC3E}">
+        <p14:creationId xmlns:p14="http://schemas.microsoft.com/office/powerpoint/2010/main" val="292392620"/>
+      </p:ext>
+    </p:extLst>
+  </p:cSld>
+  <p:clrMapOvr>
+    <a:masterClrMapping/>
+  </p:clrMapOvr>
+</p:sld>
+</file>
+
+<file path=ppt/slides/slide5.xml><?xml version="1.0" encoding="utf-8"?>
+<p:sld xmlns:a="http://schemas.openxmlformats.org/drawingml/2006/main" xmlns:r="http://schemas.openxmlformats.org/officeDocument/2006/relationships" xmlns:p="http://schemas.openxmlformats.org/presentationml/2006/main">
+  <p:cSld>
+    <p:spTree>
+      <p:nvGrpSpPr>
+        <p:cNvPr id="1" name=""/>
+        <p:cNvGrpSpPr/>
+        <p:nvPr/>
+      </p:nvGrpSpPr>
+      <p:grpSpPr>
+        <a:xfrm>
+          <a:off x="0" y="0"/>
+          <a:ext cx="0" cy="0"/>
+          <a:chOff x="0" y="0"/>
+          <a:chExt cx="0" cy="0"/>
+        </a:xfrm>
+      </p:grpSpPr>
+      <p:sp>
+        <p:nvSpPr>
+          <p:cNvPr id="2" name="Titre 1">
+            <a:extLst>
+              <a:ext uri="{FF2B5EF4-FFF2-40B4-BE49-F238E27FC236}">
+                <a16:creationId xmlns:a16="http://schemas.microsoft.com/office/drawing/2014/main" id="{9C9E628F-AC1F-CB49-9533-FE7D4C87D278}"/>
+              </a:ext>
+            </a:extLst>
+          </p:cNvPr>
+          <p:cNvSpPr>
+            <a:spLocks noGrp="1"/>
+          </p:cNvSpPr>
+          <p:nvPr>
+            <p:ph type="title"/>
+          </p:nvPr>
+        </p:nvSpPr>
+        <p:spPr/>
+        <p:txBody>
+          <a:bodyPr/>
+          <a:lstStyle/>
+          <a:p>
+            <a:pPr algn="ctr"/>
+            <a:r>
+              <a:rPr lang="fr-FR" dirty="0" err="1"/>
+              <a:t>Examples</a:t>
+            </a:r>
+            <a:r>
+              <a:rPr lang="fr-FR" dirty="0"/>
+              <a:t> of </a:t>
+            </a:r>
+            <a:r>
+              <a:rPr lang="fr-FR" dirty="0" err="1"/>
+              <a:t>parallel</a:t>
+            </a:r>
+            <a:r>
+              <a:rPr lang="fr-FR" dirty="0"/>
+              <a:t> </a:t>
+            </a:r>
+            <a:r>
+              <a:rPr lang="fr-FR" dirty="0" err="1"/>
+              <a:t>corpora</a:t>
+            </a:r>
+            <a:endParaRPr lang="fr-FR" dirty="0"/>
+          </a:p>
+        </p:txBody>
+      </p:sp>
+      <p:pic>
+        <p:nvPicPr>
+          <p:cNvPr id="4" name="Espace réservé du contenu 3">
+            <a:extLst>
+              <a:ext uri="{FF2B5EF4-FFF2-40B4-BE49-F238E27FC236}">
+                <a16:creationId xmlns:a16="http://schemas.microsoft.com/office/drawing/2014/main" id="{AD4D2C6F-9B28-474A-AD14-A7DFCD257A57}"/>
+              </a:ext>
+            </a:extLst>
+          </p:cNvPr>
+          <p:cNvPicPr>
+            <a:picLocks noGrp="1" noChangeAspect="1"/>
+          </p:cNvPicPr>
+          <p:nvPr>
+            <p:ph idx="1"/>
+          </p:nvPr>
+        </p:nvPicPr>
+        <p:blipFill>
+          <a:blip r:embed="rId2"/>
+          <a:stretch>
+            <a:fillRect/>
+          </a:stretch>
+        </p:blipFill>
+        <p:spPr>
+          <a:xfrm>
+            <a:off x="84305" y="2119615"/>
+            <a:ext cx="6988804" cy="3519185"/>
+          </a:xfrm>
+          <a:prstGeom prst="rect">
+            <a:avLst/>
+          </a:prstGeom>
+        </p:spPr>
+      </p:pic>
+      <p:pic>
+        <p:nvPicPr>
+          <p:cNvPr id="5" name="Image 4">
+            <a:extLst>
+              <a:ext uri="{FF2B5EF4-FFF2-40B4-BE49-F238E27FC236}">
+                <a16:creationId xmlns:a16="http://schemas.microsoft.com/office/drawing/2014/main" id="{003DAC29-7F0A-9C4D-A599-0F18E31EA609}"/>
+              </a:ext>
+            </a:extLst>
+          </p:cNvPr>
+          <p:cNvPicPr>
+            <a:picLocks noChangeAspect="1"/>
+          </p:cNvPicPr>
+          <p:nvPr/>
+        </p:nvPicPr>
+        <p:blipFill>
+          <a:blip r:embed="rId3"/>
+          <a:stretch>
+            <a:fillRect/>
+          </a:stretch>
+        </p:blipFill>
+        <p:spPr>
+          <a:xfrm>
+            <a:off x="6849036" y="1986400"/>
+            <a:ext cx="5181600" cy="4165600"/>
+          </a:xfrm>
+          <a:prstGeom prst="rect">
+            <a:avLst/>
+          </a:prstGeom>
+        </p:spPr>
+      </p:pic>
+      <p:sp>
+        <p:nvSpPr>
+          <p:cNvPr id="6" name="ZoneTexte 5">
+            <a:extLst>
+              <a:ext uri="{FF2B5EF4-FFF2-40B4-BE49-F238E27FC236}">
+                <a16:creationId xmlns:a16="http://schemas.microsoft.com/office/drawing/2014/main" id="{99516E31-57BD-E647-B863-73167E0EC173}"/>
+              </a:ext>
+            </a:extLst>
+          </p:cNvPr>
+          <p:cNvSpPr txBox="1"/>
+          <p:nvPr/>
+        </p:nvSpPr>
+        <p:spPr>
+          <a:xfrm>
+            <a:off x="2366956" y="5526068"/>
+            <a:ext cx="1743362" cy="369332"/>
+          </a:xfrm>
+          <a:prstGeom prst="rect">
+            <a:avLst/>
+          </a:prstGeom>
+          <a:noFill/>
+        </p:spPr>
+        <p:txBody>
+          <a:bodyPr wrap="none" rtlCol="0">
+            <a:spAutoFit/>
+          </a:bodyPr>
+          <a:lstStyle/>
+          <a:p>
+            <a:r>
+              <a:rPr lang="fr-FR" dirty="0"/>
+              <a:t>French-English</a:t>
+            </a:r>
+          </a:p>
+        </p:txBody>
+      </p:sp>
+      <p:sp>
+        <p:nvSpPr>
+          <p:cNvPr id="7" name="ZoneTexte 6">
+            <a:extLst>
+              <a:ext uri="{FF2B5EF4-FFF2-40B4-BE49-F238E27FC236}">
+                <a16:creationId xmlns:a16="http://schemas.microsoft.com/office/drawing/2014/main" id="{00CCC57E-0EB7-F64B-9486-E55ACA44C8AD}"/>
+              </a:ext>
+            </a:extLst>
+          </p:cNvPr>
+          <p:cNvSpPr txBox="1"/>
+          <p:nvPr/>
+        </p:nvSpPr>
+        <p:spPr>
+          <a:xfrm>
+            <a:off x="8633557" y="6062472"/>
+            <a:ext cx="1612557" cy="369332"/>
+          </a:xfrm>
+          <a:prstGeom prst="rect">
+            <a:avLst/>
+          </a:prstGeom>
+          <a:noFill/>
+        </p:spPr>
+        <p:txBody>
+          <a:bodyPr wrap="none" rtlCol="0">
+            <a:spAutoFit/>
+          </a:bodyPr>
+          <a:lstStyle/>
+          <a:p>
+            <a:r>
+              <a:rPr lang="fr-FR" dirty="0"/>
+              <a:t>French-Greek</a:t>
+            </a:r>
+          </a:p>
+        </p:txBody>
+      </p:sp>
+    </p:spTree>
+    <p:extLst>
+      <p:ext uri="{BB962C8B-B14F-4D97-AF65-F5344CB8AC3E}">
+        <p14:creationId xmlns:p14="http://schemas.microsoft.com/office/powerpoint/2010/main" val="2265341821"/>
+      </p:ext>
+    </p:extLst>
+  </p:cSld>
+  <p:clrMapOvr>
+    <a:masterClrMapping/>
+  </p:clrMapOvr>
+</p:sld>
+</file>
+
+<file path=ppt/slides/slide6.xml><?xml version="1.0" encoding="utf-8"?>
+<p:sld xmlns:a="http://schemas.openxmlformats.org/drawingml/2006/main" xmlns:r="http://schemas.openxmlformats.org/officeDocument/2006/relationships" xmlns:p="http://schemas.openxmlformats.org/presentationml/2006/main">
+  <p:cSld>
+    <p:spTree>
+      <p:nvGrpSpPr>
+        <p:cNvPr id="1" name=""/>
+        <p:cNvGrpSpPr/>
+        <p:nvPr/>
+      </p:nvGrpSpPr>
+      <p:grpSpPr>
+        <a:xfrm>
+          <a:off x="0" y="0"/>
+          <a:ext cx="0" cy="0"/>
+          <a:chOff x="0" y="0"/>
+          <a:chExt cx="0" cy="0"/>
+        </a:xfrm>
+      </p:grpSpPr>
+      <p:sp>
+        <p:nvSpPr>
+          <p:cNvPr id="2" name="Titre 1">
+            <a:extLst>
+              <a:ext uri="{FF2B5EF4-FFF2-40B4-BE49-F238E27FC236}">
+                <a16:creationId xmlns:a16="http://schemas.microsoft.com/office/drawing/2014/main" id="{D353DDCA-B873-924E-9F47-AC6D9C54AE6B}"/>
+              </a:ext>
+            </a:extLst>
+          </p:cNvPr>
+          <p:cNvSpPr>
+            <a:spLocks noGrp="1"/>
+          </p:cNvSpPr>
+          <p:nvPr>
+            <p:ph type="title"/>
+          </p:nvPr>
+        </p:nvSpPr>
+        <p:spPr/>
+        <p:txBody>
+          <a:bodyPr>
+            <a:normAutofit fontScale="90000"/>
+          </a:bodyPr>
+          <a:lstStyle/>
+          <a:p>
+            <a:pPr algn="ctr"/>
+            <a:r>
+              <a:rPr lang="fr-FR" dirty="0"/>
+              <a:t>« You </a:t>
+            </a:r>
+            <a:r>
+              <a:rPr lang="fr-FR" dirty="0" err="1"/>
+              <a:t>shall</a:t>
+            </a:r>
+            <a:r>
+              <a:rPr lang="fr-FR" dirty="0"/>
+              <a:t> know a </a:t>
+            </a:r>
+            <a:r>
+              <a:rPr lang="fr-FR" dirty="0" err="1"/>
+              <a:t>word</a:t>
+            </a:r>
+            <a:r>
+              <a:rPr lang="fr-FR" dirty="0"/>
+              <a:t> by the </a:t>
+            </a:r>
+            <a:r>
+              <a:rPr lang="fr-FR" dirty="0" err="1"/>
+              <a:t>company</a:t>
+            </a:r>
+            <a:r>
+              <a:rPr lang="fr-FR" dirty="0"/>
+              <a:t> </a:t>
+            </a:r>
+            <a:r>
+              <a:rPr lang="fr-FR" dirty="0" err="1"/>
+              <a:t>it</a:t>
+            </a:r>
+            <a:r>
+              <a:rPr lang="fr-FR" dirty="0"/>
+              <a:t> </a:t>
+            </a:r>
+            <a:r>
+              <a:rPr lang="fr-FR" dirty="0" err="1"/>
+              <a:t>keeps</a:t>
+            </a:r>
+            <a:r>
+              <a:rPr lang="fr-FR" dirty="0"/>
+              <a:t> » (Firth, J. R. 1957)</a:t>
+            </a:r>
+          </a:p>
+        </p:txBody>
+      </p:sp>
+      <p:sp>
+        <p:nvSpPr>
+          <p:cNvPr id="3" name="Espace réservé du contenu 2">
+            <a:extLst>
+              <a:ext uri="{FF2B5EF4-FFF2-40B4-BE49-F238E27FC236}">
+                <a16:creationId xmlns:a16="http://schemas.microsoft.com/office/drawing/2014/main" id="{9F1B2943-E53B-A440-B307-5E7AEADEB5F4}"/>
+              </a:ext>
+            </a:extLst>
+          </p:cNvPr>
+          <p:cNvSpPr>
+            <a:spLocks noGrp="1"/>
+          </p:cNvSpPr>
+          <p:nvPr>
+            <p:ph idx="1"/>
+          </p:nvPr>
+        </p:nvSpPr>
+        <p:spPr/>
+        <p:txBody>
+          <a:bodyPr>
+            <a:normAutofit fontScale="92500"/>
+          </a:bodyPr>
+          <a:lstStyle/>
+          <a:p>
+            <a:endParaRPr lang="fr-FR" dirty="0"/>
+          </a:p>
+          <a:p>
+            <a:r>
+              <a:rPr lang="fr-FR" dirty="0"/>
+              <a:t>The </a:t>
+            </a:r>
+            <a:r>
+              <a:rPr lang="fr-FR" dirty="0" err="1"/>
+              <a:t>proposed</a:t>
+            </a:r>
+            <a:r>
+              <a:rPr lang="fr-FR" dirty="0"/>
+              <a:t> </a:t>
+            </a:r>
+            <a:r>
+              <a:rPr lang="fr-FR" dirty="0" err="1"/>
+              <a:t>approach</a:t>
+            </a:r>
+            <a:r>
+              <a:rPr lang="fr-FR" dirty="0"/>
+              <a:t> </a:t>
+            </a:r>
+            <a:r>
+              <a:rPr lang="fr-FR" dirty="0" err="1"/>
+              <a:t>is</a:t>
+            </a:r>
+            <a:r>
+              <a:rPr lang="fr-FR" dirty="0"/>
+              <a:t> </a:t>
+            </a:r>
+            <a:r>
+              <a:rPr lang="fr-FR" dirty="0" err="1"/>
+              <a:t>based</a:t>
+            </a:r>
+            <a:r>
+              <a:rPr lang="fr-FR" dirty="0"/>
+              <a:t> on a </a:t>
+            </a:r>
+            <a:r>
+              <a:rPr lang="fr-FR" dirty="0" err="1"/>
+              <a:t>linguistic</a:t>
+            </a:r>
+            <a:r>
+              <a:rPr lang="fr-FR" dirty="0"/>
+              <a:t> </a:t>
+            </a:r>
+            <a:r>
+              <a:rPr lang="fr-FR" dirty="0" err="1"/>
+              <a:t>theory</a:t>
+            </a:r>
+            <a:r>
+              <a:rPr lang="fr-FR" dirty="0"/>
+              <a:t>, the </a:t>
+            </a:r>
+            <a:r>
+              <a:rPr lang="fr-FR" i="1" dirty="0" err="1"/>
+              <a:t>distributional</a:t>
+            </a:r>
+            <a:r>
+              <a:rPr lang="fr-FR" i="1" dirty="0"/>
+              <a:t> </a:t>
+            </a:r>
+            <a:r>
+              <a:rPr lang="fr-FR" i="1" dirty="0" err="1"/>
+              <a:t>hypothesis</a:t>
+            </a:r>
+            <a:r>
+              <a:rPr lang="fr-FR" dirty="0"/>
+              <a:t>: </a:t>
+            </a:r>
+            <a:r>
+              <a:rPr lang="fr-FR" b="1" dirty="0"/>
+              <a:t>the </a:t>
+            </a:r>
+            <a:r>
+              <a:rPr lang="fr-FR" b="1" dirty="0" err="1"/>
+              <a:t>meaning</a:t>
+            </a:r>
+            <a:r>
+              <a:rPr lang="fr-FR" b="1" dirty="0"/>
+              <a:t> of a </a:t>
+            </a:r>
+            <a:r>
+              <a:rPr lang="fr-FR" b="1" dirty="0" err="1"/>
+              <a:t>word</a:t>
+            </a:r>
+            <a:r>
+              <a:rPr lang="fr-FR" b="1" dirty="0"/>
+              <a:t> </a:t>
+            </a:r>
+            <a:r>
+              <a:rPr lang="fr-FR" b="1" dirty="0" err="1"/>
+              <a:t>can</a:t>
+            </a:r>
+            <a:r>
+              <a:rPr lang="fr-FR" b="1" dirty="0"/>
+              <a:t> </a:t>
+            </a:r>
+            <a:r>
+              <a:rPr lang="fr-FR" b="1" dirty="0" err="1"/>
+              <a:t>be</a:t>
+            </a:r>
+            <a:r>
+              <a:rPr lang="fr-FR" b="1" dirty="0"/>
+              <a:t> </a:t>
+            </a:r>
+            <a:r>
+              <a:rPr lang="fr-FR" b="1" dirty="0" err="1"/>
+              <a:t>deduced</a:t>
+            </a:r>
+            <a:r>
+              <a:rPr lang="fr-FR" b="1" dirty="0"/>
+              <a:t> </a:t>
+            </a:r>
+            <a:r>
+              <a:rPr lang="fr-FR" b="1" dirty="0" err="1"/>
+              <a:t>directly</a:t>
+            </a:r>
+            <a:r>
+              <a:rPr lang="fr-FR" b="1" dirty="0"/>
+              <a:t> </a:t>
+            </a:r>
+            <a:r>
+              <a:rPr lang="fr-FR" b="1" dirty="0" err="1"/>
+              <a:t>from</a:t>
+            </a:r>
+            <a:r>
+              <a:rPr lang="fr-FR" b="1" dirty="0"/>
+              <a:t> the </a:t>
+            </a:r>
+            <a:r>
+              <a:rPr lang="fr-FR" b="1" dirty="0" err="1"/>
+              <a:t>context</a:t>
+            </a:r>
+            <a:r>
+              <a:rPr lang="fr-FR" b="1" dirty="0"/>
+              <a:t> in </a:t>
+            </a:r>
+            <a:r>
+              <a:rPr lang="fr-FR" b="1" dirty="0" err="1"/>
+              <a:t>which</a:t>
+            </a:r>
+            <a:r>
+              <a:rPr lang="fr-FR" b="1" dirty="0"/>
+              <a:t> </a:t>
+            </a:r>
+            <a:r>
+              <a:rPr lang="fr-FR" b="1" dirty="0" err="1"/>
+              <a:t>it</a:t>
+            </a:r>
+            <a:r>
+              <a:rPr lang="fr-FR" b="1" dirty="0"/>
+              <a:t> </a:t>
+            </a:r>
+            <a:r>
+              <a:rPr lang="fr-FR" b="1" dirty="0" err="1"/>
+              <a:t>appears</a:t>
+            </a:r>
+            <a:r>
+              <a:rPr lang="fr-FR" dirty="0"/>
+              <a:t>.</a:t>
+            </a:r>
+          </a:p>
+          <a:p>
+            <a:r>
+              <a:rPr lang="fr-FR" dirty="0"/>
+              <a:t> The </a:t>
+            </a:r>
+            <a:r>
+              <a:rPr lang="fr-FR" dirty="0" err="1"/>
+              <a:t>generalization</a:t>
+            </a:r>
+            <a:r>
+              <a:rPr lang="fr-FR" dirty="0"/>
+              <a:t> of </a:t>
+            </a:r>
+            <a:r>
+              <a:rPr lang="fr-FR" dirty="0" err="1"/>
+              <a:t>this</a:t>
+            </a:r>
+            <a:r>
+              <a:rPr lang="fr-FR" dirty="0"/>
+              <a:t> </a:t>
+            </a:r>
+            <a:r>
+              <a:rPr lang="fr-FR" dirty="0" err="1"/>
+              <a:t>hypothesis</a:t>
+            </a:r>
+            <a:r>
+              <a:rPr lang="fr-FR" dirty="0"/>
+              <a:t> to the </a:t>
+            </a:r>
+            <a:r>
+              <a:rPr lang="fr-FR" dirty="0" err="1"/>
+              <a:t>bilingual</a:t>
+            </a:r>
+            <a:r>
+              <a:rPr lang="fr-FR" dirty="0"/>
+              <a:t> case </a:t>
+            </a:r>
+            <a:r>
+              <a:rPr lang="fr-FR" dirty="0" err="1"/>
+              <a:t>can</a:t>
+            </a:r>
+            <a:r>
+              <a:rPr lang="fr-FR" dirty="0"/>
+              <a:t> </a:t>
+            </a:r>
+            <a:r>
+              <a:rPr lang="fr-FR" dirty="0" err="1"/>
+              <a:t>be</a:t>
+            </a:r>
+            <a:r>
+              <a:rPr lang="fr-FR" dirty="0"/>
+              <a:t> </a:t>
+            </a:r>
+            <a:r>
+              <a:rPr lang="fr-FR" dirty="0" err="1"/>
+              <a:t>formulated</a:t>
+            </a:r>
+            <a:r>
+              <a:rPr lang="fr-FR" dirty="0"/>
+              <a:t> as </a:t>
+            </a:r>
+            <a:r>
+              <a:rPr lang="fr-FR" dirty="0" err="1"/>
+              <a:t>follows</a:t>
+            </a:r>
+            <a:r>
+              <a:rPr lang="fr-FR" dirty="0"/>
+              <a:t>: </a:t>
+            </a:r>
+          </a:p>
+          <a:p>
+            <a:pPr lvl="1"/>
+            <a:r>
+              <a:rPr lang="fr-FR" dirty="0"/>
+              <a:t>a French </a:t>
+            </a:r>
+            <a:r>
+              <a:rPr lang="fr-FR" dirty="0" err="1"/>
+              <a:t>word</a:t>
+            </a:r>
+            <a:r>
+              <a:rPr lang="fr-FR" dirty="0"/>
+              <a:t> and an English </a:t>
+            </a:r>
+            <a:r>
+              <a:rPr lang="fr-FR" dirty="0" err="1"/>
+              <a:t>word</a:t>
+            </a:r>
+            <a:r>
+              <a:rPr lang="fr-FR" dirty="0"/>
+              <a:t> </a:t>
+            </a:r>
+            <a:r>
+              <a:rPr lang="fr-FR" dirty="0" err="1"/>
+              <a:t>that</a:t>
+            </a:r>
+            <a:r>
+              <a:rPr lang="fr-FR" dirty="0"/>
+              <a:t> </a:t>
+            </a:r>
+            <a:r>
+              <a:rPr lang="fr-FR" dirty="0" err="1"/>
+              <a:t>frequently</a:t>
+            </a:r>
+            <a:r>
+              <a:rPr lang="fr-FR" dirty="0"/>
+              <a:t> </a:t>
+            </a:r>
+            <a:r>
+              <a:rPr lang="fr-FR" dirty="0" err="1"/>
+              <a:t>co-occur</a:t>
+            </a:r>
+            <a:r>
+              <a:rPr lang="fr-FR" dirty="0"/>
+              <a:t> (</a:t>
+            </a:r>
+            <a:r>
+              <a:rPr lang="fr-FR" dirty="0" err="1"/>
+              <a:t>appear</a:t>
+            </a:r>
+            <a:r>
+              <a:rPr lang="fr-FR" dirty="0"/>
+              <a:t> in a pair of </a:t>
+            </a:r>
+            <a:r>
+              <a:rPr lang="fr-FR" dirty="0" err="1"/>
+              <a:t>parallel</a:t>
+            </a:r>
+            <a:r>
+              <a:rPr lang="fr-FR" dirty="0"/>
+              <a:t> sentences) have a high chance of </a:t>
+            </a:r>
+            <a:r>
+              <a:rPr lang="fr-FR" dirty="0" err="1"/>
+              <a:t>being</a:t>
+            </a:r>
+            <a:r>
+              <a:rPr lang="fr-FR" dirty="0"/>
+              <a:t> translations of </a:t>
+            </a:r>
+            <a:r>
+              <a:rPr lang="fr-FR" dirty="0" err="1"/>
+              <a:t>each</a:t>
+            </a:r>
+            <a:r>
+              <a:rPr lang="fr-FR" dirty="0"/>
+              <a:t> </a:t>
+            </a:r>
+            <a:r>
+              <a:rPr lang="fr-FR" dirty="0" err="1"/>
+              <a:t>other</a:t>
+            </a:r>
+            <a:r>
+              <a:rPr lang="fr-FR" dirty="0"/>
+              <a:t>. </a:t>
+            </a:r>
+          </a:p>
+          <a:p>
+            <a:r>
+              <a:rPr lang="fr-FR" dirty="0" err="1"/>
+              <a:t>Thus</a:t>
+            </a:r>
+            <a:r>
+              <a:rPr lang="fr-FR" dirty="0"/>
+              <a:t>, in the </a:t>
+            </a:r>
+            <a:r>
+              <a:rPr lang="fr-FR" dirty="0" err="1"/>
+              <a:t>example</a:t>
+            </a:r>
+            <a:r>
+              <a:rPr lang="fr-FR" dirty="0"/>
+              <a:t> of the corpus on the </a:t>
+            </a:r>
+            <a:r>
+              <a:rPr lang="fr-FR" dirty="0" err="1"/>
+              <a:t>previous</a:t>
+            </a:r>
+            <a:r>
+              <a:rPr lang="fr-FR" dirty="0"/>
+              <a:t> slide, </a:t>
+            </a:r>
+            <a:r>
+              <a:rPr lang="fr-FR" dirty="0" err="1"/>
+              <a:t>it</a:t>
+            </a:r>
+            <a:r>
+              <a:rPr lang="fr-FR" dirty="0"/>
+              <a:t> </a:t>
+            </a:r>
+            <a:r>
+              <a:rPr lang="fr-FR" dirty="0" err="1"/>
+              <a:t>is</a:t>
+            </a:r>
+            <a:r>
+              <a:rPr lang="fr-FR" dirty="0"/>
+              <a:t> </a:t>
+            </a:r>
+            <a:r>
+              <a:rPr lang="fr-FR" dirty="0" err="1"/>
+              <a:t>natural</a:t>
+            </a:r>
+            <a:r>
+              <a:rPr lang="fr-FR" dirty="0"/>
+              <a:t> to assume </a:t>
+            </a:r>
+            <a:r>
+              <a:rPr lang="fr-FR" dirty="0" err="1"/>
+              <a:t>that</a:t>
+            </a:r>
+            <a:r>
+              <a:rPr lang="fr-FR" dirty="0"/>
+              <a:t> </a:t>
+            </a:r>
+            <a:r>
+              <a:rPr lang="fr-FR" i="1" dirty="0"/>
+              <a:t>cuisine </a:t>
+            </a:r>
+            <a:r>
+              <a:rPr lang="fr-FR" dirty="0" err="1"/>
+              <a:t>can</a:t>
+            </a:r>
+            <a:r>
+              <a:rPr lang="fr-FR" dirty="0"/>
+              <a:t> </a:t>
+            </a:r>
+            <a:r>
+              <a:rPr lang="fr-FR" dirty="0" err="1"/>
+              <a:t>be</a:t>
+            </a:r>
+            <a:r>
+              <a:rPr lang="fr-FR" dirty="0"/>
+              <a:t> </a:t>
+            </a:r>
+            <a:r>
+              <a:rPr lang="fr-FR" dirty="0" err="1"/>
+              <a:t>translated</a:t>
+            </a:r>
+            <a:r>
+              <a:rPr lang="fr-FR" dirty="0"/>
+              <a:t> </a:t>
+            </a:r>
+            <a:r>
+              <a:rPr lang="fr-FR" dirty="0" err="1"/>
+              <a:t>either</a:t>
+            </a:r>
+            <a:r>
+              <a:rPr lang="fr-FR" dirty="0"/>
+              <a:t> by </a:t>
+            </a:r>
+            <a:r>
+              <a:rPr lang="fr-FR" i="1" dirty="0"/>
+              <a:t>cooking</a:t>
+            </a:r>
+            <a:r>
+              <a:rPr lang="fr-FR" dirty="0"/>
+              <a:t> or by </a:t>
+            </a:r>
+            <a:r>
+              <a:rPr lang="fr-FR" i="1" dirty="0" err="1"/>
+              <a:t>kitchen</a:t>
+            </a:r>
+            <a:r>
+              <a:rPr lang="fr-FR" i="1" dirty="0"/>
+              <a:t> </a:t>
+            </a:r>
+            <a:r>
+              <a:rPr lang="fr-FR" dirty="0" err="1"/>
+              <a:t>because</a:t>
+            </a:r>
+            <a:r>
+              <a:rPr lang="fr-FR" dirty="0"/>
+              <a:t> </a:t>
+            </a:r>
+            <a:r>
+              <a:rPr lang="fr-FR" dirty="0" err="1"/>
+              <a:t>these</a:t>
+            </a:r>
+            <a:r>
+              <a:rPr lang="fr-FR" dirty="0"/>
+              <a:t> are the </a:t>
+            </a:r>
+            <a:r>
+              <a:rPr lang="fr-FR" dirty="0" err="1"/>
+              <a:t>only</a:t>
+            </a:r>
+            <a:r>
+              <a:rPr lang="fr-FR" dirty="0"/>
+              <a:t> </a:t>
+            </a:r>
+            <a:r>
+              <a:rPr lang="fr-FR" dirty="0" err="1"/>
+              <a:t>words</a:t>
+            </a:r>
+            <a:r>
+              <a:rPr lang="fr-FR" dirty="0"/>
+              <a:t> </a:t>
+            </a:r>
+            <a:r>
+              <a:rPr lang="fr-FR" dirty="0" err="1"/>
+              <a:t>that</a:t>
+            </a:r>
+            <a:r>
+              <a:rPr lang="fr-FR" dirty="0"/>
+              <a:t> </a:t>
+            </a:r>
+            <a:r>
+              <a:rPr lang="fr-FR" dirty="0" err="1"/>
+              <a:t>appear</a:t>
+            </a:r>
+            <a:r>
+              <a:rPr lang="fr-FR" dirty="0"/>
+              <a:t> in all translations.</a:t>
+            </a:r>
+          </a:p>
+          <a:p>
+            <a:endParaRPr lang="fr-FR" dirty="0"/>
+          </a:p>
+          <a:p>
+            <a:pPr marL="0" indent="0">
+              <a:buNone/>
+            </a:pPr>
+            <a:endParaRPr lang="fr-FR" dirty="0"/>
+          </a:p>
+        </p:txBody>
+      </p:sp>
+    </p:spTree>
+    <p:extLst>
+      <p:ext uri="{BB962C8B-B14F-4D97-AF65-F5344CB8AC3E}">
+        <p14:creationId xmlns:p14="http://schemas.microsoft.com/office/powerpoint/2010/main" val="4171187120"/>
+      </p:ext>
+    </p:extLst>
+  </p:cSld>
+  <p:clrMapOvr>
+    <a:masterClrMapping/>
+  </p:clrMapOvr>
+</p:sld>
+</file>
+
+<file path=ppt/slides/slide7.xml><?xml version="1.0" encoding="utf-8"?>
+<p:sld xmlns:a="http://schemas.openxmlformats.org/drawingml/2006/main" xmlns:r="http://schemas.openxmlformats.org/officeDocument/2006/relationships" xmlns:p="http://schemas.openxmlformats.org/presentationml/2006/main">
+  <p:cSld>
+    <p:spTree>
+      <p:nvGrpSpPr>
+        <p:cNvPr id="1" name=""/>
+        <p:cNvGrpSpPr/>
+        <p:nvPr/>
+      </p:nvGrpSpPr>
+      <p:grpSpPr>
+        <a:xfrm>
+          <a:off x="0" y="0"/>
+          <a:ext cx="0" cy="0"/>
+          <a:chOff x="0" y="0"/>
+          <a:chExt cx="0" cy="0"/>
+        </a:xfrm>
+      </p:grpSpPr>
+      <p:sp>
+        <p:nvSpPr>
+          <p:cNvPr id="2" name="Titre 1">
+            <a:extLst>
+              <a:ext uri="{FF2B5EF4-FFF2-40B4-BE49-F238E27FC236}">
+                <a16:creationId xmlns:a16="http://schemas.microsoft.com/office/drawing/2014/main" id="{F9855F82-FC25-1C41-AD54-4FAEDA5B980A}"/>
+              </a:ext>
+            </a:extLst>
+          </p:cNvPr>
+          <p:cNvSpPr>
+            <a:spLocks noGrp="1"/>
+          </p:cNvSpPr>
+          <p:nvPr>
+            <p:ph type="title"/>
+          </p:nvPr>
+        </p:nvSpPr>
+        <p:spPr/>
+        <p:txBody>
+          <a:bodyPr/>
+          <a:lstStyle/>
+          <a:p>
+            <a:pPr algn="ctr"/>
+            <a:r>
+              <a:rPr lang="fr-FR" dirty="0"/>
+              <a:t>Mini </a:t>
+            </a:r>
+            <a:r>
+              <a:rPr lang="fr-FR" dirty="0" err="1"/>
+              <a:t>exercise</a:t>
+            </a:r>
+            <a:endParaRPr lang="fr-FR" dirty="0"/>
+          </a:p>
+        </p:txBody>
+      </p:sp>
+      <p:sp>
+        <p:nvSpPr>
+          <p:cNvPr id="3" name="Espace réservé du contenu 2">
+            <a:extLst>
+              <a:ext uri="{FF2B5EF4-FFF2-40B4-BE49-F238E27FC236}">
+                <a16:creationId xmlns:a16="http://schemas.microsoft.com/office/drawing/2014/main" id="{F30C0CF5-ED4D-5B47-B5DC-AFAE998F3EE2}"/>
+              </a:ext>
+            </a:extLst>
+          </p:cNvPr>
+          <p:cNvSpPr>
+            <a:spLocks noGrp="1"/>
+          </p:cNvSpPr>
+          <p:nvPr>
+            <p:ph idx="1"/>
+          </p:nvPr>
+        </p:nvSpPr>
+        <p:spPr/>
+        <p:txBody>
+          <a:bodyPr/>
+          <a:lstStyle/>
+          <a:p>
+            <a:endParaRPr lang="fr-FR" dirty="0"/>
+          </a:p>
+          <a:p>
+            <a:endParaRPr lang="fr-FR" dirty="0"/>
+          </a:p>
+          <a:p>
+            <a:r>
+              <a:rPr lang="fr-FR" dirty="0" err="1"/>
+              <a:t>Considering</a:t>
+            </a:r>
+            <a:r>
+              <a:rPr lang="fr-FR" dirty="0"/>
+              <a:t> the French-Greek </a:t>
+            </a:r>
+            <a:r>
+              <a:rPr lang="fr-FR" dirty="0" err="1"/>
+              <a:t>corpusin</a:t>
+            </a:r>
+            <a:r>
+              <a:rPr lang="fr-FR" dirty="0"/>
+              <a:t> the </a:t>
+            </a:r>
+            <a:r>
+              <a:rPr lang="fr-FR" dirty="0" err="1"/>
+              <a:t>previous</a:t>
+            </a:r>
+            <a:r>
+              <a:rPr lang="fr-FR" dirty="0"/>
+              <a:t> slide, </a:t>
+            </a:r>
+            <a:r>
+              <a:rPr lang="fr-FR" dirty="0" err="1"/>
+              <a:t>can</a:t>
+            </a:r>
+            <a:r>
+              <a:rPr lang="fr-FR" dirty="0"/>
+              <a:t> </a:t>
+            </a:r>
+            <a:r>
+              <a:rPr lang="fr-FR" dirty="0" err="1"/>
+              <a:t>you</a:t>
+            </a:r>
+            <a:r>
+              <a:rPr lang="fr-FR" dirty="0"/>
+              <a:t> </a:t>
+            </a:r>
+            <a:r>
+              <a:rPr lang="fr-FR" dirty="0" err="1"/>
+              <a:t>give</a:t>
+            </a:r>
+            <a:r>
+              <a:rPr lang="fr-FR" dirty="0"/>
+              <a:t> the Greek translations of the </a:t>
+            </a:r>
+            <a:r>
+              <a:rPr lang="fr-FR" dirty="0" err="1"/>
+              <a:t>words</a:t>
+            </a:r>
+            <a:r>
+              <a:rPr lang="fr-FR" dirty="0"/>
+              <a:t> </a:t>
+            </a:r>
+            <a:r>
+              <a:rPr lang="fr-FR" i="1" dirty="0" err="1"/>
+              <a:t>Elli</a:t>
+            </a:r>
+            <a:r>
+              <a:rPr lang="fr-FR" dirty="0"/>
+              <a:t>, </a:t>
+            </a:r>
+            <a:r>
+              <a:rPr lang="fr-FR" i="1" dirty="0"/>
+              <a:t>est</a:t>
+            </a:r>
+            <a:r>
+              <a:rPr lang="fr-FR" dirty="0"/>
+              <a:t> and </a:t>
+            </a:r>
+            <a:r>
+              <a:rPr lang="fr-FR" i="1" dirty="0"/>
+              <a:t>maison</a:t>
+            </a:r>
+            <a:r>
+              <a:rPr lang="fr-FR" dirty="0"/>
+              <a:t>.</a:t>
+            </a:r>
+          </a:p>
+        </p:txBody>
+      </p:sp>
+    </p:spTree>
+    <p:extLst>
+      <p:ext uri="{BB962C8B-B14F-4D97-AF65-F5344CB8AC3E}">
+        <p14:creationId xmlns:p14="http://schemas.microsoft.com/office/powerpoint/2010/main" val="194714777"/>
+      </p:ext>
+    </p:extLst>
+  </p:cSld>
+  <p:clrMapOvr>
+    <a:masterClrMapping/>
+  </p:clrMapOvr>
+</p:sld>
+</file>
+
+<file path=ppt/slides/slide8.xml><?xml version="1.0" encoding="utf-8"?>
+<p:sld xmlns:a="http://schemas.openxmlformats.org/drawingml/2006/main" xmlns:r="http://schemas.openxmlformats.org/officeDocument/2006/relationships" xmlns:p="http://schemas.openxmlformats.org/presentationml/2006/main">
+  <p:cSld>
+    <p:spTree>
+      <p:nvGrpSpPr>
+        <p:cNvPr id="1" name=""/>
+        <p:cNvGrpSpPr/>
+        <p:nvPr/>
+      </p:nvGrpSpPr>
+      <p:grpSpPr>
+        <a:xfrm>
+          <a:off x="0" y="0"/>
+          <a:ext cx="0" cy="0"/>
+          <a:chOff x="0" y="0"/>
+          <a:chExt cx="0" cy="0"/>
+        </a:xfrm>
+      </p:grpSpPr>
+      <p:sp>
+        <p:nvSpPr>
+          <p:cNvPr id="2" name="Titre 1">
+            <a:extLst>
+              <a:ext uri="{FF2B5EF4-FFF2-40B4-BE49-F238E27FC236}">
+                <a16:creationId xmlns:a16="http://schemas.microsoft.com/office/drawing/2014/main" id="{9A0387FA-8A66-3547-BD2E-A9ED58BA3BB7}"/>
+              </a:ext>
+            </a:extLst>
+          </p:cNvPr>
+          <p:cNvSpPr>
+            <a:spLocks noGrp="1"/>
+          </p:cNvSpPr>
+          <p:nvPr>
+            <p:ph type="title"/>
+          </p:nvPr>
+        </p:nvSpPr>
+        <p:spPr/>
+        <p:txBody>
+          <a:bodyPr/>
+          <a:lstStyle/>
+          <a:p>
+            <a:pPr algn="ctr"/>
+            <a:r>
+              <a:rPr lang="fr-FR" dirty="0"/>
+              <a:t>Naïve </a:t>
+            </a:r>
+            <a:r>
+              <a:rPr lang="fr-FR" dirty="0" err="1"/>
+              <a:t>approach</a:t>
+            </a:r>
+            <a:endParaRPr lang="fr-FR" dirty="0"/>
+          </a:p>
+        </p:txBody>
+      </p:sp>
+      <p:sp>
+        <p:nvSpPr>
+          <p:cNvPr id="3" name="Espace réservé du contenu 2">
+            <a:extLst>
+              <a:ext uri="{FF2B5EF4-FFF2-40B4-BE49-F238E27FC236}">
+                <a16:creationId xmlns:a16="http://schemas.microsoft.com/office/drawing/2014/main" id="{2C801755-4699-E945-A758-1D9654C877D4}"/>
+              </a:ext>
+            </a:extLst>
+          </p:cNvPr>
+          <p:cNvSpPr>
+            <a:spLocks noGrp="1"/>
+          </p:cNvSpPr>
+          <p:nvPr>
+            <p:ph idx="1"/>
+          </p:nvPr>
+        </p:nvSpPr>
+        <p:spPr/>
+        <p:txBody>
+          <a:bodyPr>
+            <a:normAutofit/>
+          </a:bodyPr>
+          <a:lstStyle/>
+          <a:p>
+            <a:r>
+              <a:rPr lang="fr-FR" dirty="0"/>
+              <a:t>You </a:t>
+            </a:r>
+            <a:r>
+              <a:rPr lang="fr-FR" dirty="0" err="1"/>
+              <a:t>will</a:t>
+            </a:r>
+            <a:r>
+              <a:rPr lang="fr-FR" dirty="0"/>
+              <a:t> </a:t>
+            </a:r>
+            <a:r>
+              <a:rPr lang="fr-FR" dirty="0" err="1"/>
+              <a:t>find</a:t>
+            </a:r>
+            <a:r>
+              <a:rPr lang="fr-FR" dirty="0"/>
+              <a:t> on the </a:t>
+            </a:r>
+            <a:r>
+              <a:rPr lang="fr-FR" dirty="0" err="1"/>
+              <a:t>github</a:t>
+            </a:r>
+            <a:r>
+              <a:rPr lang="fr-FR" dirty="0"/>
+              <a:t> </a:t>
+            </a:r>
+            <a:r>
+              <a:rPr lang="fr-FR" dirty="0" err="1"/>
+              <a:t>two</a:t>
+            </a:r>
+            <a:r>
+              <a:rPr lang="fr-FR" dirty="0"/>
+              <a:t> files </a:t>
+            </a:r>
+            <a:r>
+              <a:rPr lang="fr-FR" dirty="0" err="1"/>
+              <a:t>containing</a:t>
+            </a:r>
+            <a:r>
+              <a:rPr lang="fr-FR" dirty="0"/>
+              <a:t> the </a:t>
+            </a:r>
+            <a:r>
+              <a:rPr lang="fr-FR" dirty="0" err="1"/>
+              <a:t>novel</a:t>
+            </a:r>
+            <a:r>
+              <a:rPr lang="fr-FR" dirty="0"/>
+              <a:t> </a:t>
+            </a:r>
+            <a:r>
+              <a:rPr lang="fr-FR" i="1" dirty="0" err="1"/>
+              <a:t>From</a:t>
+            </a:r>
+            <a:r>
+              <a:rPr lang="fr-FR" i="1" dirty="0"/>
+              <a:t> the </a:t>
+            </a:r>
+            <a:r>
+              <a:rPr lang="fr-FR" i="1" dirty="0" err="1"/>
+              <a:t>Earth</a:t>
+            </a:r>
+            <a:r>
+              <a:rPr lang="fr-FR" i="1" dirty="0"/>
+              <a:t> to the Moon </a:t>
+            </a:r>
+            <a:r>
+              <a:rPr lang="fr-FR" dirty="0"/>
+              <a:t>in English (</a:t>
+            </a:r>
+            <a:r>
+              <a:rPr lang="fr-FR" dirty="0" err="1"/>
+              <a:t>english.corpus</a:t>
+            </a:r>
+            <a:r>
+              <a:rPr lang="fr-FR" dirty="0"/>
+              <a:t>) and in French (</a:t>
+            </a:r>
+            <a:r>
+              <a:rPr lang="fr-FR" dirty="0" err="1"/>
+              <a:t>french.corpus</a:t>
+            </a:r>
+            <a:r>
+              <a:rPr lang="fr-FR" dirty="0"/>
+              <a:t>). The documents have been </a:t>
+            </a:r>
+            <a:r>
+              <a:rPr lang="fr-FR" dirty="0" err="1"/>
+              <a:t>pre-processed</a:t>
+            </a:r>
+            <a:r>
+              <a:rPr lang="fr-FR" dirty="0"/>
+              <a:t> to :</a:t>
+            </a:r>
+          </a:p>
+          <a:p>
+            <a:pPr lvl="1"/>
+            <a:r>
+              <a:rPr lang="fr-FR" dirty="0" err="1"/>
+              <a:t>be</a:t>
+            </a:r>
+            <a:r>
+              <a:rPr lang="fr-FR" dirty="0"/>
+              <a:t> </a:t>
+            </a:r>
+            <a:r>
+              <a:rPr lang="fr-FR" dirty="0" err="1"/>
+              <a:t>aligned</a:t>
+            </a:r>
+            <a:r>
+              <a:rPr lang="fr-FR" dirty="0"/>
+              <a:t> at the sentence </a:t>
+            </a:r>
+            <a:r>
+              <a:rPr lang="fr-FR" dirty="0" err="1"/>
+              <a:t>level</a:t>
+            </a:r>
+            <a:r>
+              <a:rPr lang="fr-FR" dirty="0"/>
+              <a:t>: the </a:t>
+            </a:r>
+            <a:r>
+              <a:rPr lang="fr-FR" dirty="0" err="1"/>
+              <a:t>i</a:t>
+            </a:r>
+            <a:r>
+              <a:rPr lang="fr-FR" baseline="30000" dirty="0" err="1"/>
+              <a:t>th</a:t>
+            </a:r>
+            <a:r>
+              <a:rPr lang="fr-FR" dirty="0"/>
+              <a:t> line of the French file </a:t>
+            </a:r>
+            <a:r>
+              <a:rPr lang="fr-FR" dirty="0" err="1"/>
+              <a:t>is</a:t>
+            </a:r>
+            <a:r>
+              <a:rPr lang="fr-FR" dirty="0"/>
+              <a:t> the translation of the </a:t>
+            </a:r>
+            <a:r>
+              <a:rPr lang="fr-FR" dirty="0" err="1"/>
+              <a:t>i</a:t>
+            </a:r>
+            <a:r>
+              <a:rPr lang="fr-FR" baseline="30000" dirty="0" err="1"/>
+              <a:t>th</a:t>
+            </a:r>
+            <a:r>
+              <a:rPr lang="fr-FR" dirty="0"/>
+              <a:t> line of the English file.</a:t>
+            </a:r>
+          </a:p>
+          <a:p>
+            <a:pPr lvl="1"/>
+            <a:r>
+              <a:rPr lang="fr-FR" dirty="0" err="1"/>
+              <a:t>segmented</a:t>
+            </a:r>
+            <a:r>
+              <a:rPr lang="fr-FR" dirty="0"/>
+              <a:t> </a:t>
+            </a:r>
+            <a:r>
+              <a:rPr lang="fr-FR" dirty="0" err="1"/>
+              <a:t>into</a:t>
+            </a:r>
+            <a:r>
+              <a:rPr lang="fr-FR" dirty="0"/>
+              <a:t> </a:t>
+            </a:r>
+            <a:r>
+              <a:rPr lang="fr-FR" dirty="0" err="1"/>
+              <a:t>words</a:t>
+            </a:r>
+            <a:r>
+              <a:rPr lang="fr-FR" dirty="0"/>
+              <a:t>: </a:t>
+            </a:r>
+            <a:r>
+              <a:rPr lang="fr-FR" dirty="0" err="1"/>
+              <a:t>this</a:t>
+            </a:r>
+            <a:r>
+              <a:rPr lang="fr-FR" dirty="0"/>
+              <a:t> segmentation </a:t>
+            </a:r>
+            <a:r>
+              <a:rPr lang="fr-FR" dirty="0" err="1"/>
+              <a:t>consists</a:t>
+            </a:r>
+            <a:r>
+              <a:rPr lang="fr-FR" dirty="0"/>
+              <a:t> of </a:t>
+            </a:r>
+            <a:r>
+              <a:rPr lang="fr-FR" dirty="0" err="1"/>
+              <a:t>separating</a:t>
+            </a:r>
+            <a:r>
+              <a:rPr lang="fr-FR" dirty="0"/>
+              <a:t> </a:t>
+            </a:r>
+            <a:r>
+              <a:rPr lang="fr-FR" dirty="0" err="1"/>
+              <a:t>some</a:t>
+            </a:r>
+            <a:r>
+              <a:rPr lang="fr-FR" dirty="0"/>
+              <a:t> </a:t>
+            </a:r>
+            <a:r>
+              <a:rPr lang="fr-FR" dirty="0" err="1"/>
+              <a:t>signs</a:t>
+            </a:r>
+            <a:r>
+              <a:rPr lang="fr-FR" dirty="0"/>
+              <a:t> (</a:t>
+            </a:r>
+            <a:r>
+              <a:rPr lang="fr-FR" dirty="0" err="1"/>
+              <a:t>e.g</a:t>
+            </a:r>
+            <a:r>
+              <a:rPr lang="fr-FR" dirty="0"/>
+              <a:t>. « </a:t>
+            </a:r>
+            <a:r>
+              <a:rPr lang="fr-FR" dirty="0" err="1"/>
+              <a:t>à␣l'école</a:t>
+            </a:r>
+            <a:r>
+              <a:rPr lang="fr-FR" dirty="0"/>
+              <a:t>. » </a:t>
+            </a:r>
+            <a:r>
+              <a:rPr lang="fr-FR" dirty="0" err="1"/>
+              <a:t>is</a:t>
+            </a:r>
+            <a:r>
+              <a:rPr lang="fr-FR" dirty="0"/>
+              <a:t> </a:t>
+            </a:r>
+            <a:r>
+              <a:rPr lang="fr-FR" dirty="0" err="1"/>
+              <a:t>rewritten</a:t>
+            </a:r>
+            <a:r>
+              <a:rPr lang="fr-FR" dirty="0"/>
+              <a:t> as « </a:t>
+            </a:r>
+            <a:r>
+              <a:rPr lang="fr-FR" dirty="0" err="1"/>
+              <a:t>à␣l</a:t>
+            </a:r>
+            <a:r>
+              <a:rPr lang="fr-FR" dirty="0"/>
+              <a:t>'␣école␣. ») and </a:t>
+            </a:r>
+            <a:r>
+              <a:rPr lang="fr-FR" dirty="0" err="1"/>
+              <a:t>grouping</a:t>
+            </a:r>
+            <a:r>
+              <a:rPr lang="fr-FR" dirty="0"/>
+              <a:t> </a:t>
+            </a:r>
+            <a:r>
+              <a:rPr lang="fr-FR" dirty="0" err="1"/>
+              <a:t>others</a:t>
+            </a:r>
+            <a:r>
+              <a:rPr lang="fr-FR" dirty="0"/>
+              <a:t> («100 000 » </a:t>
+            </a:r>
+            <a:r>
+              <a:rPr lang="fr-FR" dirty="0" err="1"/>
+              <a:t>is</a:t>
+            </a:r>
+            <a:r>
+              <a:rPr lang="fr-FR" dirty="0"/>
+              <a:t> </a:t>
+            </a:r>
+            <a:r>
+              <a:rPr lang="fr-FR" dirty="0" err="1"/>
+              <a:t>rewritten</a:t>
+            </a:r>
+            <a:r>
+              <a:rPr lang="fr-FR" dirty="0"/>
+              <a:t> as « 100000 »).</a:t>
+            </a:r>
+          </a:p>
+          <a:p>
+            <a:pPr marL="0" indent="0">
+              <a:buNone/>
+            </a:pPr>
+            <a:endParaRPr lang="fr-FR" dirty="0"/>
+          </a:p>
+        </p:txBody>
+      </p:sp>
+    </p:spTree>
+    <p:extLst>
+      <p:ext uri="{BB962C8B-B14F-4D97-AF65-F5344CB8AC3E}">
+        <p14:creationId xmlns:p14="http://schemas.microsoft.com/office/powerpoint/2010/main" val="3511905137"/>
+      </p:ext>
+    </p:extLst>
+  </p:cSld>
+  <p:clrMapOvr>
+    <a:masterClrMapping/>
+  </p:clrMapOvr>
+</p:sld>
+</file>
+
+<file path=ppt/slides/slide9.xml><?xml version="1.0" encoding="utf-8"?>
+<p:sld xmlns:a="http://schemas.openxmlformats.org/drawingml/2006/main" xmlns:r="http://schemas.openxmlformats.org/officeDocument/2006/relationships" xmlns:p="http://schemas.openxmlformats.org/presentationml/2006/main">
+  <p:cSld>
+    <p:spTree>
+      <p:nvGrpSpPr>
+        <p:cNvPr id="1" name=""/>
+        <p:cNvGrpSpPr/>
+        <p:nvPr/>
+      </p:nvGrpSpPr>
+      <p:grpSpPr>
+        <a:xfrm>
+          <a:off x="0" y="0"/>
+          <a:ext cx="0" cy="0"/>
+          <a:chOff x="0" y="0"/>
+          <a:chExt cx="0" cy="0"/>
+        </a:xfrm>
+      </p:grpSpPr>
+      <p:sp>
+        <p:nvSpPr>
+          <p:cNvPr id="2" name="Titre 1">
+            <a:extLst>
+              <a:ext uri="{FF2B5EF4-FFF2-40B4-BE49-F238E27FC236}">
+                <a16:creationId xmlns:a16="http://schemas.microsoft.com/office/drawing/2014/main" id="{F66812B0-630A-8E4F-B5D2-DA9D82C1DE4E}"/>
+              </a:ext>
+            </a:extLst>
+          </p:cNvPr>
+          <p:cNvSpPr>
+            <a:spLocks noGrp="1"/>
+          </p:cNvSpPr>
+          <p:nvPr>
+            <p:ph type="title"/>
+          </p:nvPr>
+        </p:nvSpPr>
+        <p:spPr/>
+        <p:txBody>
+          <a:bodyPr/>
+          <a:lstStyle/>
+          <a:p>
+            <a:pPr algn="ctr"/>
+            <a:r>
+              <a:rPr lang="fr-FR" dirty="0"/>
+              <a:t>Naïve </a:t>
+            </a:r>
+            <a:r>
+              <a:rPr lang="fr-FR" dirty="0" err="1"/>
+              <a:t>approach</a:t>
+            </a:r>
+            <a:br>
+              <a:rPr lang="fr-FR" dirty="0"/>
+            </a:br>
+            <a:r>
+              <a:rPr lang="fr-FR" dirty="0" err="1"/>
+              <a:t>Co-occurrence</a:t>
+            </a:r>
+            <a:r>
+              <a:rPr lang="fr-FR" dirty="0"/>
+              <a:t> table</a:t>
+            </a:r>
+          </a:p>
+        </p:txBody>
+      </p:sp>
+      <p:sp>
+        <p:nvSpPr>
+          <p:cNvPr id="3" name="Espace réservé du contenu 2">
+            <a:extLst>
+              <a:ext uri="{FF2B5EF4-FFF2-40B4-BE49-F238E27FC236}">
+                <a16:creationId xmlns:a16="http://schemas.microsoft.com/office/drawing/2014/main" id="{AF7F22AC-F662-BF4B-A94F-1BDBBFDB4F92}"/>
+              </a:ext>
+            </a:extLst>
+          </p:cNvPr>
+          <p:cNvSpPr>
+            <a:spLocks noGrp="1"/>
+          </p:cNvSpPr>
+          <p:nvPr>
+            <p:ph idx="1"/>
+          </p:nvPr>
+        </p:nvSpPr>
+        <p:spPr/>
+        <p:txBody>
+          <a:bodyPr/>
+          <a:lstStyle/>
+          <a:p>
+            <a:endParaRPr lang="fr-FR" dirty="0"/>
+          </a:p>
+          <a:p>
+            <a:r>
+              <a:rPr lang="fr-FR" dirty="0"/>
+              <a:t>The extraction of a </a:t>
+            </a:r>
+            <a:r>
+              <a:rPr lang="fr-FR" dirty="0" err="1"/>
+              <a:t>lexicon</a:t>
+            </a:r>
+            <a:r>
+              <a:rPr lang="fr-FR" dirty="0"/>
+              <a:t> </a:t>
+            </a:r>
+            <a:r>
+              <a:rPr lang="fr-FR" dirty="0" err="1"/>
+              <a:t>from</a:t>
+            </a:r>
+            <a:r>
+              <a:rPr lang="fr-FR" dirty="0"/>
+              <a:t> </a:t>
+            </a:r>
+            <a:r>
+              <a:rPr lang="fr-FR" dirty="0" err="1"/>
+              <a:t>this</a:t>
+            </a:r>
+            <a:r>
+              <a:rPr lang="fr-FR" dirty="0"/>
+              <a:t> </a:t>
+            </a:r>
+            <a:r>
+              <a:rPr lang="fr-FR" dirty="0" err="1"/>
+              <a:t>parallel</a:t>
+            </a:r>
+            <a:r>
+              <a:rPr lang="fr-FR" dirty="0"/>
+              <a:t> corpus relies on the construction of a </a:t>
+            </a:r>
+            <a:r>
+              <a:rPr lang="fr-FR" i="1" dirty="0" err="1"/>
+              <a:t>co-occurrence</a:t>
+            </a:r>
+            <a:r>
+              <a:rPr lang="fr-FR" i="1" dirty="0"/>
+              <a:t> table</a:t>
+            </a:r>
+            <a:r>
+              <a:rPr lang="fr-FR" dirty="0"/>
+              <a:t>. </a:t>
+            </a:r>
+          </a:p>
+          <a:p>
+            <a:r>
+              <a:rPr lang="fr-FR" dirty="0"/>
+              <a:t>This table </a:t>
+            </a:r>
+            <a:r>
+              <a:rPr lang="fr-FR" dirty="0" err="1"/>
+              <a:t>can</a:t>
+            </a:r>
+            <a:r>
+              <a:rPr lang="fr-FR" dirty="0"/>
+              <a:t> </a:t>
+            </a:r>
+            <a:r>
+              <a:rPr lang="fr-FR" dirty="0" err="1"/>
+              <a:t>be</a:t>
+            </a:r>
+            <a:r>
+              <a:rPr lang="fr-FR" dirty="0"/>
+              <a:t> </a:t>
+            </a:r>
+            <a:r>
+              <a:rPr lang="fr-FR" dirty="0" err="1"/>
+              <a:t>modeled</a:t>
+            </a:r>
+            <a:r>
+              <a:rPr lang="fr-FR" dirty="0"/>
+              <a:t> by a python </a:t>
+            </a:r>
+            <a:r>
+              <a:rPr lang="fr-FR" dirty="0" err="1"/>
+              <a:t>dictionary</a:t>
+            </a:r>
+            <a:r>
+              <a:rPr lang="fr-FR" dirty="0"/>
+              <a:t> </a:t>
+            </a:r>
+            <a:r>
+              <a:rPr lang="fr-FR" dirty="0" err="1"/>
+              <a:t>which</a:t>
+            </a:r>
+            <a:r>
+              <a:rPr lang="fr-FR" dirty="0"/>
+              <a:t> </a:t>
+            </a:r>
+            <a:r>
+              <a:rPr lang="fr-FR" dirty="0" err="1"/>
+              <a:t>associates</a:t>
+            </a:r>
+            <a:r>
+              <a:rPr lang="fr-FR" dirty="0"/>
+              <a:t> to a French </a:t>
+            </a:r>
+            <a:r>
+              <a:rPr lang="fr-FR" dirty="0" err="1"/>
+              <a:t>word</a:t>
+            </a:r>
+            <a:r>
+              <a:rPr lang="fr-FR" dirty="0"/>
+              <a:t> (the 1st key), a second python </a:t>
+            </a:r>
+            <a:r>
+              <a:rPr lang="fr-FR" dirty="0" err="1"/>
+              <a:t>dictionary</a:t>
+            </a:r>
+            <a:r>
+              <a:rPr lang="fr-FR" dirty="0"/>
+              <a:t> </a:t>
+            </a:r>
+            <a:r>
+              <a:rPr lang="fr-FR" dirty="0" err="1"/>
+              <a:t>whose</a:t>
+            </a:r>
+            <a:r>
+              <a:rPr lang="fr-FR" dirty="0"/>
+              <a:t> keys are the set of English </a:t>
+            </a:r>
+            <a:r>
+              <a:rPr lang="fr-FR" dirty="0" err="1"/>
+              <a:t>words</a:t>
+            </a:r>
+            <a:r>
+              <a:rPr lang="fr-FR" dirty="0"/>
+              <a:t> </a:t>
+            </a:r>
+            <a:r>
+              <a:rPr lang="fr-FR" dirty="0" err="1"/>
+              <a:t>co-occurring</a:t>
+            </a:r>
+            <a:r>
+              <a:rPr lang="fr-FR" dirty="0"/>
+              <a:t> </a:t>
+            </a:r>
+            <a:r>
+              <a:rPr lang="fr-FR" dirty="0" err="1"/>
+              <a:t>with</a:t>
+            </a:r>
+            <a:r>
+              <a:rPr lang="fr-FR" dirty="0"/>
+              <a:t> the French </a:t>
+            </a:r>
+            <a:r>
+              <a:rPr lang="fr-FR" dirty="0" err="1"/>
+              <a:t>word</a:t>
+            </a:r>
+            <a:r>
+              <a:rPr lang="fr-FR" dirty="0"/>
+              <a:t> and </a:t>
+            </a:r>
+            <a:r>
+              <a:rPr lang="fr-FR" dirty="0" err="1"/>
+              <a:t>whose</a:t>
+            </a:r>
+            <a:r>
+              <a:rPr lang="fr-FR" dirty="0"/>
+              <a:t> values are the </a:t>
+            </a:r>
+            <a:r>
+              <a:rPr lang="fr-FR" dirty="0" err="1"/>
+              <a:t>number</a:t>
+            </a:r>
+            <a:r>
+              <a:rPr lang="fr-FR" dirty="0"/>
+              <a:t> of sentence pairs in </a:t>
+            </a:r>
+            <a:r>
+              <a:rPr lang="fr-FR" dirty="0" err="1"/>
+              <a:t>which</a:t>
+            </a:r>
+            <a:r>
+              <a:rPr lang="fr-FR" dirty="0"/>
+              <a:t> the French </a:t>
+            </a:r>
+            <a:r>
+              <a:rPr lang="fr-FR" dirty="0" err="1"/>
+              <a:t>word</a:t>
+            </a:r>
+            <a:r>
+              <a:rPr lang="fr-FR" dirty="0"/>
+              <a:t> and the English </a:t>
+            </a:r>
+            <a:r>
+              <a:rPr lang="fr-FR" dirty="0" err="1"/>
+              <a:t>word</a:t>
+            </a:r>
+            <a:r>
+              <a:rPr lang="fr-FR" dirty="0"/>
+              <a:t> </a:t>
+            </a:r>
+            <a:r>
+              <a:rPr lang="fr-FR" dirty="0" err="1"/>
+              <a:t>both</a:t>
+            </a:r>
+            <a:r>
+              <a:rPr lang="fr-FR" dirty="0"/>
+              <a:t> </a:t>
+            </a:r>
+            <a:r>
+              <a:rPr lang="fr-FR" dirty="0" err="1"/>
+              <a:t>appear</a:t>
+            </a:r>
+            <a:r>
+              <a:rPr lang="fr-FR" dirty="0"/>
+              <a:t>. </a:t>
+            </a:r>
+          </a:p>
+          <a:p>
+            <a:endParaRPr lang="fr-FR" dirty="0"/>
+          </a:p>
+        </p:txBody>
+      </p:sp>
+    </p:spTree>
+    <p:extLst>
+      <p:ext uri="{BB962C8B-B14F-4D97-AF65-F5344CB8AC3E}">
+        <p14:creationId xmlns:p14="http://schemas.microsoft.com/office/powerpoint/2010/main" val="436581001"/>
       </p:ext>
     </p:extLst>
   </p:cSld>
